--- a/model_considerations/main_feedback_loop_visualization.pptx
+++ b/model_considerations/main_feedback_loop_visualization.pptx
@@ -9,6 +9,7 @@
     <p:sldId id="257" r:id="rId3"/>
     <p:sldId id="258" r:id="rId4"/>
     <p:sldId id="259" r:id="rId5"/>
+    <p:sldId id="260" r:id="rId6"/>
   </p:sldIdLst>
   <p:sldSz cx="12192000" cy="6858000"/>
   <p:notesSz cx="6858000" cy="9144000"/>
@@ -113,14 +114,6 @@
     </p:ext>
   </p:extLst>
 </p:presentation>
-</file>
-
-<file path=ppt/revisionInfo.xml><?xml version="1.0" encoding="utf-8"?>
-<p1510:revInfo xmlns:a="http://schemas.openxmlformats.org/drawingml/2006/main" xmlns:r="http://schemas.openxmlformats.org/officeDocument/2006/relationships" xmlns:p1510="http://schemas.microsoft.com/office/powerpoint/2015/10/main">
-  <p1510:revLst>
-    <p1510:client id="{54EEED2E-9425-4282-B914-3B7A7ED00F94}" v="15" dt="2024-08-07T11:45:11.497"/>
-  </p1510:revLst>
-</p1510:revInfo>
 </file>
 
 <file path=ppt/changesInfos/changesInfo1.xml><?xml version="1.0" encoding="utf-8"?>
@@ -384,6 +377,46 @@
             <ac:picMk id="5" creationId="{088EF4BD-0F13-3198-8880-E16DCEB57E6C}"/>
           </ac:picMkLst>
         </pc:picChg>
+      </pc:sldChg>
+    </pc:docChg>
+  </pc:docChgLst>
+  <pc:docChgLst>
+    <pc:chgData name="Frederik Skou Fertin" userId="8951aed8-7c9b-49ea-93bd-9fdf65fe1278" providerId="ADAL" clId="{ABAAEE3B-460B-46AE-901F-2718EB8CBCD4}"/>
+    <pc:docChg chg="custSel addSld modSld">
+      <pc:chgData name="Frederik Skou Fertin" userId="8951aed8-7c9b-49ea-93bd-9fdf65fe1278" providerId="ADAL" clId="{ABAAEE3B-460B-46AE-901F-2718EB8CBCD4}" dt="2024-08-27T11:12:50.781" v="22" actId="478"/>
+      <pc:docMkLst>
+        <pc:docMk/>
+      </pc:docMkLst>
+      <pc:sldChg chg="addSp delSp modSp new mod">
+        <pc:chgData name="Frederik Skou Fertin" userId="8951aed8-7c9b-49ea-93bd-9fdf65fe1278" providerId="ADAL" clId="{ABAAEE3B-460B-46AE-901F-2718EB8CBCD4}" dt="2024-08-27T11:12:50.781" v="22" actId="478"/>
+        <pc:sldMkLst>
+          <pc:docMk/>
+          <pc:sldMk cId="529102801" sldId="260"/>
+        </pc:sldMkLst>
+        <pc:spChg chg="del">
+          <ac:chgData name="Frederik Skou Fertin" userId="8951aed8-7c9b-49ea-93bd-9fdf65fe1278" providerId="ADAL" clId="{ABAAEE3B-460B-46AE-901F-2718EB8CBCD4}" dt="2024-08-27T11:12:50.781" v="22" actId="478"/>
+          <ac:spMkLst>
+            <pc:docMk/>
+            <pc:sldMk cId="529102801" sldId="260"/>
+            <ac:spMk id="2" creationId="{52B2F4CD-8C21-3125-A63F-C3373A2EAE7A}"/>
+          </ac:spMkLst>
+        </pc:spChg>
+        <pc:spChg chg="del">
+          <ac:chgData name="Frederik Skou Fertin" userId="8951aed8-7c9b-49ea-93bd-9fdf65fe1278" providerId="ADAL" clId="{ABAAEE3B-460B-46AE-901F-2718EB8CBCD4}" dt="2024-08-27T11:12:48.716" v="21" actId="478"/>
+          <ac:spMkLst>
+            <pc:docMk/>
+            <pc:sldMk cId="529102801" sldId="260"/>
+            <ac:spMk id="3" creationId="{994AE78E-844E-986B-38FC-4D3AC0024451}"/>
+          </ac:spMkLst>
+        </pc:spChg>
+        <pc:spChg chg="add mod">
+          <ac:chgData name="Frederik Skou Fertin" userId="8951aed8-7c9b-49ea-93bd-9fdf65fe1278" providerId="ADAL" clId="{ABAAEE3B-460B-46AE-901F-2718EB8CBCD4}" dt="2024-08-27T11:12:44.662" v="20" actId="20577"/>
+          <ac:spMkLst>
+            <pc:docMk/>
+            <pc:sldMk cId="529102801" sldId="260"/>
+            <ac:spMk id="4" creationId="{6D8523C2-D6A0-A4F6-6A45-3D9C6E552143}"/>
+          </ac:spMkLst>
+        </pc:spChg>
       </pc:sldChg>
     </pc:docChg>
   </pc:docChgLst>
@@ -6819,7 +6852,7 @@
           <a:p>
             <a:fld id="{0943DC29-738C-469B-AD54-16E446991871}" type="datetimeFigureOut">
               <a:rPr lang="da-DK" smtClean="0"/>
-              <a:t>09-08-2024</a:t>
+              <a:t>27-08-2024</a:t>
             </a:fld>
             <a:endParaRPr lang="da-DK"/>
           </a:p>
@@ -7019,7 +7052,7 @@
           <a:p>
             <a:fld id="{0943DC29-738C-469B-AD54-16E446991871}" type="datetimeFigureOut">
               <a:rPr lang="da-DK" smtClean="0"/>
-              <a:t>09-08-2024</a:t>
+              <a:t>27-08-2024</a:t>
             </a:fld>
             <a:endParaRPr lang="da-DK"/>
           </a:p>
@@ -7229,7 +7262,7 @@
           <a:p>
             <a:fld id="{0943DC29-738C-469B-AD54-16E446991871}" type="datetimeFigureOut">
               <a:rPr lang="da-DK" smtClean="0"/>
-              <a:t>09-08-2024</a:t>
+              <a:t>27-08-2024</a:t>
             </a:fld>
             <a:endParaRPr lang="da-DK"/>
           </a:p>
@@ -7429,7 +7462,7 @@
           <a:p>
             <a:fld id="{0943DC29-738C-469B-AD54-16E446991871}" type="datetimeFigureOut">
               <a:rPr lang="da-DK" smtClean="0"/>
-              <a:t>09-08-2024</a:t>
+              <a:t>27-08-2024</a:t>
             </a:fld>
             <a:endParaRPr lang="da-DK"/>
           </a:p>
@@ -7705,7 +7738,7 @@
           <a:p>
             <a:fld id="{0943DC29-738C-469B-AD54-16E446991871}" type="datetimeFigureOut">
               <a:rPr lang="da-DK" smtClean="0"/>
-              <a:t>09-08-2024</a:t>
+              <a:t>27-08-2024</a:t>
             </a:fld>
             <a:endParaRPr lang="da-DK"/>
           </a:p>
@@ -7973,7 +8006,7 @@
           <a:p>
             <a:fld id="{0943DC29-738C-469B-AD54-16E446991871}" type="datetimeFigureOut">
               <a:rPr lang="da-DK" smtClean="0"/>
-              <a:t>09-08-2024</a:t>
+              <a:t>27-08-2024</a:t>
             </a:fld>
             <a:endParaRPr lang="da-DK"/>
           </a:p>
@@ -8388,7 +8421,7 @@
           <a:p>
             <a:fld id="{0943DC29-738C-469B-AD54-16E446991871}" type="datetimeFigureOut">
               <a:rPr lang="da-DK" smtClean="0"/>
-              <a:t>09-08-2024</a:t>
+              <a:t>27-08-2024</a:t>
             </a:fld>
             <a:endParaRPr lang="da-DK"/>
           </a:p>
@@ -8530,7 +8563,7 @@
           <a:p>
             <a:fld id="{0943DC29-738C-469B-AD54-16E446991871}" type="datetimeFigureOut">
               <a:rPr lang="da-DK" smtClean="0"/>
-              <a:t>09-08-2024</a:t>
+              <a:t>27-08-2024</a:t>
             </a:fld>
             <a:endParaRPr lang="da-DK"/>
           </a:p>
@@ -8643,7 +8676,7 @@
           <a:p>
             <a:fld id="{0943DC29-738C-469B-AD54-16E446991871}" type="datetimeFigureOut">
               <a:rPr lang="da-DK" smtClean="0"/>
-              <a:t>09-08-2024</a:t>
+              <a:t>27-08-2024</a:t>
             </a:fld>
             <a:endParaRPr lang="da-DK"/>
           </a:p>
@@ -8956,7 +8989,7 @@
           <a:p>
             <a:fld id="{0943DC29-738C-469B-AD54-16E446991871}" type="datetimeFigureOut">
               <a:rPr lang="da-DK" smtClean="0"/>
-              <a:t>09-08-2024</a:t>
+              <a:t>27-08-2024</a:t>
             </a:fld>
             <a:endParaRPr lang="da-DK"/>
           </a:p>
@@ -9245,7 +9278,7 @@
           <a:p>
             <a:fld id="{0943DC29-738C-469B-AD54-16E446991871}" type="datetimeFigureOut">
               <a:rPr lang="da-DK" smtClean="0"/>
-              <a:t>09-08-2024</a:t>
+              <a:t>27-08-2024</a:t>
             </a:fld>
             <a:endParaRPr lang="da-DK"/>
           </a:p>
@@ -9488,7 +9521,7 @@
           <a:p>
             <a:fld id="{0943DC29-738C-469B-AD54-16E446991871}" type="datetimeFigureOut">
               <a:rPr lang="da-DK" smtClean="0"/>
-              <a:t>09-08-2024</a:t>
+              <a:t>27-08-2024</a:t>
             </a:fld>
             <a:endParaRPr lang="da-DK"/>
           </a:p>
@@ -11591,6 +11624,90 @@
 </p:sld>
 </file>
 
+<file path=ppt/slides/slide5.xml><?xml version="1.0" encoding="utf-8"?>
+<p:sld xmlns:a="http://schemas.openxmlformats.org/drawingml/2006/main" xmlns:r="http://schemas.openxmlformats.org/officeDocument/2006/relationships" xmlns:p="http://schemas.openxmlformats.org/presentationml/2006/main">
+  <p:cSld>
+    <p:spTree>
+      <p:nvGrpSpPr>
+        <p:cNvPr id="1" name=""/>
+        <p:cNvGrpSpPr/>
+        <p:nvPr/>
+      </p:nvGrpSpPr>
+      <p:grpSpPr>
+        <a:xfrm>
+          <a:off x="0" y="0"/>
+          <a:ext cx="0" cy="0"/>
+          <a:chOff x="0" y="0"/>
+          <a:chExt cx="0" cy="0"/>
+        </a:xfrm>
+      </p:grpSpPr>
+      <p:sp>
+        <p:nvSpPr>
+          <p:cNvPr id="4" name="Rectangle 3">
+            <a:extLst>
+              <a:ext uri="{FF2B5EF4-FFF2-40B4-BE49-F238E27FC236}">
+                <a16:creationId xmlns:a16="http://schemas.microsoft.com/office/drawing/2014/main" id="{6D8523C2-D6A0-A4F6-6A45-3D9C6E552143}"/>
+              </a:ext>
+            </a:extLst>
+          </p:cNvPr>
+          <p:cNvSpPr/>
+          <p:nvPr/>
+        </p:nvSpPr>
+        <p:spPr>
+          <a:xfrm>
+            <a:off x="5002823" y="3147646"/>
+            <a:ext cx="1397977" cy="580292"/>
+          </a:xfrm>
+          <a:prstGeom prst="rect">
+            <a:avLst/>
+          </a:prstGeom>
+        </p:spPr>
+        <p:style>
+          <a:lnRef idx="2">
+            <a:schemeClr val="accent1">
+              <a:shade val="15000"/>
+            </a:schemeClr>
+          </a:lnRef>
+          <a:fillRef idx="1">
+            <a:schemeClr val="accent1"/>
+          </a:fillRef>
+          <a:effectRef idx="0">
+            <a:schemeClr val="accent1"/>
+          </a:effectRef>
+          <a:fontRef idx="minor">
+            <a:schemeClr val="lt1"/>
+          </a:fontRef>
+        </p:style>
+        <p:txBody>
+          <a:bodyPr rtlCol="0" anchor="ctr"/>
+          <a:lstStyle/>
+          <a:p>
+            <a:pPr algn="ctr"/>
+            <a:r>
+              <a:rPr lang="da-DK" dirty="0"/>
+              <a:t>Hydrogen </a:t>
+            </a:r>
+            <a:r>
+              <a:rPr lang="da-DK" dirty="0" err="1"/>
+              <a:t>Production</a:t>
+            </a:r>
+            <a:endParaRPr lang="da-DK" dirty="0"/>
+          </a:p>
+        </p:txBody>
+      </p:sp>
+    </p:spTree>
+    <p:extLst>
+      <p:ext uri="{BB962C8B-B14F-4D97-AF65-F5344CB8AC3E}">
+        <p14:creationId xmlns:p14="http://schemas.microsoft.com/office/powerpoint/2010/main" val="529102801"/>
+      </p:ext>
+    </p:extLst>
+  </p:cSld>
+  <p:clrMapOvr>
+    <a:masterClrMapping/>
+  </p:clrMapOvr>
+</p:sld>
+</file>
+
 <file path=ppt/theme/theme1.xml><?xml version="1.0" encoding="utf-8"?>
 <a:theme xmlns:a="http://schemas.openxmlformats.org/drawingml/2006/main" name="Office Theme">
   <a:themeElements>

--- a/model_considerations/main_feedback_loop_visualization.pptx
+++ b/model_considerations/main_feedback_loop_visualization.pptx
@@ -6,10 +6,11 @@
   </p:sldMasterIdLst>
   <p:sldIdLst>
     <p:sldId id="256" r:id="rId2"/>
-    <p:sldId id="257" r:id="rId3"/>
-    <p:sldId id="258" r:id="rId4"/>
-    <p:sldId id="259" r:id="rId5"/>
-    <p:sldId id="260" r:id="rId6"/>
+    <p:sldId id="261" r:id="rId3"/>
+    <p:sldId id="257" r:id="rId4"/>
+    <p:sldId id="258" r:id="rId5"/>
+    <p:sldId id="259" r:id="rId6"/>
+    <p:sldId id="260" r:id="rId7"/>
   </p:sldIdLst>
   <p:sldSz cx="12192000" cy="6858000"/>
   <p:notesSz cx="6858000" cy="9144000"/>
@@ -116,6 +117,14 @@
 </p:presentation>
 </file>
 
+<file path=ppt/revisionInfo.xml><?xml version="1.0" encoding="utf-8"?>
+<p1510:revInfo xmlns:a="http://schemas.openxmlformats.org/drawingml/2006/main" xmlns:r="http://schemas.openxmlformats.org/officeDocument/2006/relationships" xmlns:p1510="http://schemas.microsoft.com/office/powerpoint/2015/10/main">
+  <p1510:revLst>
+    <p1510:client id="{8081A538-EAC3-4A0F-95A9-0F785E0C3A3F}" v="15" dt="2025-02-17T12:23:53.309"/>
+  </p1510:revLst>
+</p1510:revInfo>
+</file>
+
 <file path=ppt/changesInfos/changesInfo1.xml><?xml version="1.0" encoding="utf-8"?>
 <pc:chgInfo xmlns:a="http://schemas.openxmlformats.org/drawingml/2006/main" xmlns:r="http://schemas.openxmlformats.org/officeDocument/2006/relationships" xmlns:ac="http://schemas.microsoft.com/office/drawing/2013/main/command" xmlns:pc="http://schemas.microsoft.com/office/powerpoint/2013/main/command">
   <pc:docChgLst>
@@ -131,150 +140,6 @@
           <pc:docMk/>
           <pc:sldMk cId="2605276006" sldId="257"/>
         </pc:sldMkLst>
-        <pc:spChg chg="add del mod">
-          <ac:chgData name="Frederik Skou Fertin" userId="8951aed8-7c9b-49ea-93bd-9fdf65fe1278" providerId="ADAL" clId="{54EEED2E-9425-4282-B914-3B7A7ED00F94}" dt="2024-08-07T11:36:11.025" v="7" actId="478"/>
-          <ac:spMkLst>
-            <pc:docMk/>
-            <pc:sldMk cId="2605276006" sldId="257"/>
-            <ac:spMk id="2" creationId="{5450BC54-4F5F-C7D7-7C5A-A392FB26DCCF}"/>
-          </ac:spMkLst>
-        </pc:spChg>
-        <pc:spChg chg="add mod">
-          <ac:chgData name="Frederik Skou Fertin" userId="8951aed8-7c9b-49ea-93bd-9fdf65fe1278" providerId="ADAL" clId="{54EEED2E-9425-4282-B914-3B7A7ED00F94}" dt="2024-08-07T11:44:09.993" v="308" actId="1582"/>
-          <ac:spMkLst>
-            <pc:docMk/>
-            <pc:sldMk cId="2605276006" sldId="257"/>
-            <ac:spMk id="7" creationId="{3B180E7A-33C2-7220-608D-7F6C187D31C0}"/>
-          </ac:spMkLst>
-        </pc:spChg>
-        <pc:spChg chg="add mod">
-          <ac:chgData name="Frederik Skou Fertin" userId="8951aed8-7c9b-49ea-93bd-9fdf65fe1278" providerId="ADAL" clId="{54EEED2E-9425-4282-B914-3B7A7ED00F94}" dt="2024-08-07T11:37:04.160" v="29" actId="1076"/>
-          <ac:spMkLst>
-            <pc:docMk/>
-            <pc:sldMk cId="2605276006" sldId="257"/>
-            <ac:spMk id="9" creationId="{5592195B-2F28-6777-E7FA-D66B8C8C54F9}"/>
-          </ac:spMkLst>
-        </pc:spChg>
-        <pc:spChg chg="add mod">
-          <ac:chgData name="Frederik Skou Fertin" userId="8951aed8-7c9b-49ea-93bd-9fdf65fe1278" providerId="ADAL" clId="{54EEED2E-9425-4282-B914-3B7A7ED00F94}" dt="2024-08-07T11:43:52.243" v="303" actId="207"/>
-          <ac:spMkLst>
-            <pc:docMk/>
-            <pc:sldMk cId="2605276006" sldId="257"/>
-            <ac:spMk id="15" creationId="{B0C8974D-D27E-F321-848A-8B2E93F198FC}"/>
-          </ac:spMkLst>
-        </pc:spChg>
-        <pc:spChg chg="add mod">
-          <ac:chgData name="Frederik Skou Fertin" userId="8951aed8-7c9b-49ea-93bd-9fdf65fe1278" providerId="ADAL" clId="{54EEED2E-9425-4282-B914-3B7A7ED00F94}" dt="2024-08-07T11:42:47.430" v="294" actId="20577"/>
-          <ac:spMkLst>
-            <pc:docMk/>
-            <pc:sldMk cId="2605276006" sldId="257"/>
-            <ac:spMk id="16" creationId="{02EC8DC6-1B8D-D60E-AADE-06B4C633CCE3}"/>
-          </ac:spMkLst>
-        </pc:spChg>
-        <pc:spChg chg="add mod">
-          <ac:chgData name="Frederik Skou Fertin" userId="8951aed8-7c9b-49ea-93bd-9fdf65fe1278" providerId="ADAL" clId="{54EEED2E-9425-4282-B914-3B7A7ED00F94}" dt="2024-08-07T11:39:18.653" v="77" actId="114"/>
-          <ac:spMkLst>
-            <pc:docMk/>
-            <pc:sldMk cId="2605276006" sldId="257"/>
-            <ac:spMk id="19" creationId="{95FB2750-6053-D655-0D3E-C2A79830AB34}"/>
-          </ac:spMkLst>
-        </pc:spChg>
-        <pc:spChg chg="add mod">
-          <ac:chgData name="Frederik Skou Fertin" userId="8951aed8-7c9b-49ea-93bd-9fdf65fe1278" providerId="ADAL" clId="{54EEED2E-9425-4282-B914-3B7A7ED00F94}" dt="2024-08-07T11:43:29.243" v="297" actId="1582"/>
-          <ac:spMkLst>
-            <pc:docMk/>
-            <pc:sldMk cId="2605276006" sldId="257"/>
-            <ac:spMk id="20" creationId="{09E5457D-E736-B2B5-3A05-10816E4761EE}"/>
-          </ac:spMkLst>
-        </pc:spChg>
-        <pc:spChg chg="add mod">
-          <ac:chgData name="Frederik Skou Fertin" userId="8951aed8-7c9b-49ea-93bd-9fdf65fe1278" providerId="ADAL" clId="{54EEED2E-9425-4282-B914-3B7A7ED00F94}" dt="2024-08-07T11:41:59.096" v="134" actId="1076"/>
-          <ac:spMkLst>
-            <pc:docMk/>
-            <pc:sldMk cId="2605276006" sldId="257"/>
-            <ac:spMk id="21" creationId="{AF4CB886-B48E-619C-57DA-5FD5CECC2A8F}"/>
-          </ac:spMkLst>
-        </pc:spChg>
-        <pc:spChg chg="add mod">
-          <ac:chgData name="Frederik Skou Fertin" userId="8951aed8-7c9b-49ea-93bd-9fdf65fe1278" providerId="ADAL" clId="{54EEED2E-9425-4282-B914-3B7A7ED00F94}" dt="2024-08-07T11:43:41.669" v="300" actId="1582"/>
-          <ac:spMkLst>
-            <pc:docMk/>
-            <pc:sldMk cId="2605276006" sldId="257"/>
-            <ac:spMk id="22" creationId="{D193D7F2-EA39-22F1-3E98-66619BBFEA8F}"/>
-          </ac:spMkLst>
-        </pc:spChg>
-        <pc:spChg chg="add mod">
-          <ac:chgData name="Frederik Skou Fertin" userId="8951aed8-7c9b-49ea-93bd-9fdf65fe1278" providerId="ADAL" clId="{54EEED2E-9425-4282-B914-3B7A7ED00F94}" dt="2024-08-07T11:46:19.443" v="319" actId="1076"/>
-          <ac:spMkLst>
-            <pc:docMk/>
-            <pc:sldMk cId="2605276006" sldId="257"/>
-            <ac:spMk id="26" creationId="{111C936B-6D8D-A540-3AB2-3E65EE9514BC}"/>
-          </ac:spMkLst>
-        </pc:spChg>
-        <pc:graphicFrameChg chg="mod">
-          <ac:chgData name="Frederik Skou Fertin" userId="8951aed8-7c9b-49ea-93bd-9fdf65fe1278" providerId="ADAL" clId="{54EEED2E-9425-4282-B914-3B7A7ED00F94}" dt="2024-08-07T11:35:27.335" v="1" actId="12269"/>
-          <ac:graphicFrameMkLst>
-            <pc:docMk/>
-            <pc:sldMk cId="2605276006" sldId="257"/>
-            <ac:graphicFrameMk id="4" creationId="{98D8EDD6-2497-F6E7-1C00-12C55D2604B9}"/>
-          </ac:graphicFrameMkLst>
-        </pc:graphicFrameChg>
-        <pc:picChg chg="add mod">
-          <ac:chgData name="Frederik Skou Fertin" userId="8951aed8-7c9b-49ea-93bd-9fdf65fe1278" providerId="ADAL" clId="{54EEED2E-9425-4282-B914-3B7A7ED00F94}" dt="2024-08-07T11:37:30.138" v="34" actId="1076"/>
-          <ac:picMkLst>
-            <pc:docMk/>
-            <pc:sldMk cId="2605276006" sldId="257"/>
-            <ac:picMk id="10" creationId="{643728A2-9493-CAC0-54E2-DF5864C6CF8A}"/>
-          </ac:picMkLst>
-        </pc:picChg>
-        <pc:picChg chg="add del mod">
-          <ac:chgData name="Frederik Skou Fertin" userId="8951aed8-7c9b-49ea-93bd-9fdf65fe1278" providerId="ADAL" clId="{54EEED2E-9425-4282-B914-3B7A7ED00F94}" dt="2024-08-07T11:38:16.262" v="53" actId="478"/>
-          <ac:picMkLst>
-            <pc:docMk/>
-            <pc:sldMk cId="2605276006" sldId="257"/>
-            <ac:picMk id="17" creationId="{5F2FCFD3-4383-8DA0-6B78-05919CAB6B58}"/>
-          </ac:picMkLst>
-        </pc:picChg>
-        <pc:picChg chg="add mod">
-          <ac:chgData name="Frederik Skou Fertin" userId="8951aed8-7c9b-49ea-93bd-9fdf65fe1278" providerId="ADAL" clId="{54EEED2E-9425-4282-B914-3B7A7ED00F94}" dt="2024-08-07T11:38:26.809" v="54" actId="1076"/>
-          <ac:picMkLst>
-            <pc:docMk/>
-            <pc:sldMk cId="2605276006" sldId="257"/>
-            <ac:picMk id="18" creationId="{468E5CE5-7E68-654C-1A5B-DB4EDF32ACC1}"/>
-          </ac:picMkLst>
-        </pc:picChg>
-        <pc:picChg chg="add mod">
-          <ac:chgData name="Frederik Skou Fertin" userId="8951aed8-7c9b-49ea-93bd-9fdf65fe1278" providerId="ADAL" clId="{54EEED2E-9425-4282-B914-3B7A7ED00F94}" dt="2024-08-07T11:42:06" v="135"/>
-          <ac:picMkLst>
-            <pc:docMk/>
-            <pc:sldMk cId="2605276006" sldId="257"/>
-            <ac:picMk id="23" creationId="{F650B387-E37F-6707-D3B6-3B61CE5679B3}"/>
-          </ac:picMkLst>
-        </pc:picChg>
-        <pc:picChg chg="add mod">
-          <ac:chgData name="Frederik Skou Fertin" userId="8951aed8-7c9b-49ea-93bd-9fdf65fe1278" providerId="ADAL" clId="{54EEED2E-9425-4282-B914-3B7A7ED00F94}" dt="2024-08-07T11:42:34.533" v="290" actId="1076"/>
-          <ac:picMkLst>
-            <pc:docMk/>
-            <pc:sldMk cId="2605276006" sldId="257"/>
-            <ac:picMk id="24" creationId="{4C011F4E-A641-96BC-0655-B08AF11EB81C}"/>
-          </ac:picMkLst>
-        </pc:picChg>
-        <pc:picChg chg="add mod">
-          <ac:chgData name="Frederik Skou Fertin" userId="8951aed8-7c9b-49ea-93bd-9fdf65fe1278" providerId="ADAL" clId="{54EEED2E-9425-4282-B914-3B7A7ED00F94}" dt="2024-08-07T11:42:27.367" v="289" actId="1037"/>
-          <ac:picMkLst>
-            <pc:docMk/>
-            <pc:sldMk cId="2605276006" sldId="257"/>
-            <ac:picMk id="25" creationId="{F278CD2A-EE9A-D704-7348-B7AFF7293AA3}"/>
-          </ac:picMkLst>
-        </pc:picChg>
-        <pc:cxnChg chg="add del">
-          <ac:chgData name="Frederik Skou Fertin" userId="8951aed8-7c9b-49ea-93bd-9fdf65fe1278" providerId="ADAL" clId="{54EEED2E-9425-4282-B914-3B7A7ED00F94}" dt="2024-08-07T11:36:19.701" v="9" actId="478"/>
-          <ac:cxnSpMkLst>
-            <pc:docMk/>
-            <pc:sldMk cId="2605276006" sldId="257"/>
-            <ac:cxnSpMk id="5" creationId="{4FE04122-3946-A70E-B68F-44CD8EA6E4DA}"/>
-          </ac:cxnSpMkLst>
-        </pc:cxnChg>
       </pc:sldChg>
       <pc:sldChg chg="addSp delSp modSp new mod">
         <pc:chgData name="Frederik Skou Fertin" userId="8951aed8-7c9b-49ea-93bd-9fdf65fe1278" providerId="ADAL" clId="{54EEED2E-9425-4282-B914-3B7A7ED00F94}" dt="2024-08-09T11:09:41.692" v="342" actId="1076"/>
@@ -282,78 +147,6 @@
           <pc:docMk/>
           <pc:sldMk cId="3807252248" sldId="258"/>
         </pc:sldMkLst>
-        <pc:spChg chg="del">
-          <ac:chgData name="Frederik Skou Fertin" userId="8951aed8-7c9b-49ea-93bd-9fdf65fe1278" providerId="ADAL" clId="{54EEED2E-9425-4282-B914-3B7A7ED00F94}" dt="2024-08-09T11:03:37.450" v="321" actId="22"/>
-          <ac:spMkLst>
-            <pc:docMk/>
-            <pc:sldMk cId="3807252248" sldId="258"/>
-            <ac:spMk id="3" creationId="{97D3FA98-D98B-7736-2DA9-4AF762EC056E}"/>
-          </ac:spMkLst>
-        </pc:spChg>
-        <pc:picChg chg="add mod ord">
-          <ac:chgData name="Frederik Skou Fertin" userId="8951aed8-7c9b-49ea-93bd-9fdf65fe1278" providerId="ADAL" clId="{54EEED2E-9425-4282-B914-3B7A7ED00F94}" dt="2024-08-09T11:03:37.450" v="321" actId="22"/>
-          <ac:picMkLst>
-            <pc:docMk/>
-            <pc:sldMk cId="3807252248" sldId="258"/>
-            <ac:picMk id="5" creationId="{3299BD23-AE55-EBF8-A6DE-625C1C9F86B5}"/>
-          </ac:picMkLst>
-        </pc:picChg>
-        <pc:picChg chg="add mod">
-          <ac:chgData name="Frederik Skou Fertin" userId="8951aed8-7c9b-49ea-93bd-9fdf65fe1278" providerId="ADAL" clId="{54EEED2E-9425-4282-B914-3B7A7ED00F94}" dt="2024-08-09T11:04:47.562" v="323" actId="1076"/>
-          <ac:picMkLst>
-            <pc:docMk/>
-            <pc:sldMk cId="3807252248" sldId="258"/>
-            <ac:picMk id="7" creationId="{1EC06D3B-264A-C03A-02E7-8E63B3F5954F}"/>
-          </ac:picMkLst>
-        </pc:picChg>
-        <pc:picChg chg="add">
-          <ac:chgData name="Frederik Skou Fertin" userId="8951aed8-7c9b-49ea-93bd-9fdf65fe1278" providerId="ADAL" clId="{54EEED2E-9425-4282-B914-3B7A7ED00F94}" dt="2024-08-09T11:04:59.380" v="324" actId="22"/>
-          <ac:picMkLst>
-            <pc:docMk/>
-            <pc:sldMk cId="3807252248" sldId="258"/>
-            <ac:picMk id="9" creationId="{E9114285-4DDC-AF58-9C9D-A9A9DDDB8E41}"/>
-          </ac:picMkLst>
-        </pc:picChg>
-        <pc:picChg chg="add mod">
-          <ac:chgData name="Frederik Skou Fertin" userId="8951aed8-7c9b-49ea-93bd-9fdf65fe1278" providerId="ADAL" clId="{54EEED2E-9425-4282-B914-3B7A7ED00F94}" dt="2024-08-09T11:05:26.267" v="326" actId="1076"/>
-          <ac:picMkLst>
-            <pc:docMk/>
-            <pc:sldMk cId="3807252248" sldId="258"/>
-            <ac:picMk id="11" creationId="{39163CFA-9AB2-7684-22A5-0D5B6D3C4742}"/>
-          </ac:picMkLst>
-        </pc:picChg>
-        <pc:picChg chg="add mod">
-          <ac:chgData name="Frederik Skou Fertin" userId="8951aed8-7c9b-49ea-93bd-9fdf65fe1278" providerId="ADAL" clId="{54EEED2E-9425-4282-B914-3B7A7ED00F94}" dt="2024-08-09T11:09:07.551" v="337" actId="1076"/>
-          <ac:picMkLst>
-            <pc:docMk/>
-            <pc:sldMk cId="3807252248" sldId="258"/>
-            <ac:picMk id="13" creationId="{69381F68-C764-C201-D27D-2C51B9DFC241}"/>
-          </ac:picMkLst>
-        </pc:picChg>
-        <pc:picChg chg="add mod">
-          <ac:chgData name="Frederik Skou Fertin" userId="8951aed8-7c9b-49ea-93bd-9fdf65fe1278" providerId="ADAL" clId="{54EEED2E-9425-4282-B914-3B7A7ED00F94}" dt="2024-08-09T11:09:03.946" v="335" actId="1076"/>
-          <ac:picMkLst>
-            <pc:docMk/>
-            <pc:sldMk cId="3807252248" sldId="258"/>
-            <ac:picMk id="15" creationId="{5A0C6F24-A068-7F27-F6A6-FB999064A544}"/>
-          </ac:picMkLst>
-        </pc:picChg>
-        <pc:picChg chg="add mod">
-          <ac:chgData name="Frederik Skou Fertin" userId="8951aed8-7c9b-49ea-93bd-9fdf65fe1278" providerId="ADAL" clId="{54EEED2E-9425-4282-B914-3B7A7ED00F94}" dt="2024-08-09T11:09:01.011" v="333" actId="1076"/>
-          <ac:picMkLst>
-            <pc:docMk/>
-            <pc:sldMk cId="3807252248" sldId="258"/>
-            <ac:picMk id="17" creationId="{8F958517-B2E7-F7EA-C42E-E2189B8046A3}"/>
-          </ac:picMkLst>
-        </pc:picChg>
-        <pc:picChg chg="add mod">
-          <ac:chgData name="Frederik Skou Fertin" userId="8951aed8-7c9b-49ea-93bd-9fdf65fe1278" providerId="ADAL" clId="{54EEED2E-9425-4282-B914-3B7A7ED00F94}" dt="2024-08-09T11:09:41.692" v="342" actId="1076"/>
-          <ac:picMkLst>
-            <pc:docMk/>
-            <pc:sldMk cId="3807252248" sldId="258"/>
-            <ac:picMk id="19" creationId="{FFBFDD59-79D4-0511-FB45-0F4BA1D417B2}"/>
-          </ac:picMkLst>
-        </pc:picChg>
       </pc:sldChg>
       <pc:sldChg chg="addSp delSp modSp new mod">
         <pc:chgData name="Frederik Skou Fertin" userId="8951aed8-7c9b-49ea-93bd-9fdf65fe1278" providerId="ADAL" clId="{54EEED2E-9425-4282-B914-3B7A7ED00F94}" dt="2024-08-09T11:18:00.506" v="344" actId="22"/>
@@ -361,22 +154,6 @@
           <pc:docMk/>
           <pc:sldMk cId="813393327" sldId="259"/>
         </pc:sldMkLst>
-        <pc:spChg chg="del">
-          <ac:chgData name="Frederik Skou Fertin" userId="8951aed8-7c9b-49ea-93bd-9fdf65fe1278" providerId="ADAL" clId="{54EEED2E-9425-4282-B914-3B7A7ED00F94}" dt="2024-08-09T11:18:00.506" v="344" actId="22"/>
-          <ac:spMkLst>
-            <pc:docMk/>
-            <pc:sldMk cId="813393327" sldId="259"/>
-            <ac:spMk id="3" creationId="{781972FE-FAD7-88FD-C042-760E346FF853}"/>
-          </ac:spMkLst>
-        </pc:spChg>
-        <pc:picChg chg="add mod ord">
-          <ac:chgData name="Frederik Skou Fertin" userId="8951aed8-7c9b-49ea-93bd-9fdf65fe1278" providerId="ADAL" clId="{54EEED2E-9425-4282-B914-3B7A7ED00F94}" dt="2024-08-09T11:18:00.506" v="344" actId="22"/>
-          <ac:picMkLst>
-            <pc:docMk/>
-            <pc:sldMk cId="813393327" sldId="259"/>
-            <ac:picMk id="5" creationId="{088EF4BD-0F13-3198-8880-E16DCEB57E6C}"/>
-          </ac:picMkLst>
-        </pc:picChg>
       </pc:sldChg>
     </pc:docChg>
   </pc:docChgLst>
@@ -393,30 +170,94 @@
           <pc:docMk/>
           <pc:sldMk cId="529102801" sldId="260"/>
         </pc:sldMkLst>
-        <pc:spChg chg="del">
-          <ac:chgData name="Frederik Skou Fertin" userId="8951aed8-7c9b-49ea-93bd-9fdf65fe1278" providerId="ADAL" clId="{ABAAEE3B-460B-46AE-901F-2718EB8CBCD4}" dt="2024-08-27T11:12:50.781" v="22" actId="478"/>
+      </pc:sldChg>
+    </pc:docChg>
+  </pc:docChgLst>
+  <pc:docChgLst>
+    <pc:chgData name="Frederik Skou Fertin" userId="8951aed8-7c9b-49ea-93bd-9fdf65fe1278" providerId="ADAL" clId="{8081A538-EAC3-4A0F-95A9-0F785E0C3A3F}"/>
+    <pc:docChg chg="undo custSel addSld modSld">
+      <pc:chgData name="Frederik Skou Fertin" userId="8951aed8-7c9b-49ea-93bd-9fdf65fe1278" providerId="ADAL" clId="{8081A538-EAC3-4A0F-95A9-0F785E0C3A3F}" dt="2025-02-17T12:23:59.701" v="40" actId="478"/>
+      <pc:docMkLst>
+        <pc:docMk/>
+      </pc:docMkLst>
+      <pc:sldChg chg="addSp delSp modSp add mod">
+        <pc:chgData name="Frederik Skou Fertin" userId="8951aed8-7c9b-49ea-93bd-9fdf65fe1278" providerId="ADAL" clId="{8081A538-EAC3-4A0F-95A9-0F785E0C3A3F}" dt="2025-02-17T12:23:59.701" v="40" actId="478"/>
+        <pc:sldMkLst>
+          <pc:docMk/>
+          <pc:sldMk cId="763570964" sldId="261"/>
+        </pc:sldMkLst>
+        <pc:spChg chg="add mod">
+          <ac:chgData name="Frederik Skou Fertin" userId="8951aed8-7c9b-49ea-93bd-9fdf65fe1278" providerId="ADAL" clId="{8081A538-EAC3-4A0F-95A9-0F785E0C3A3F}" dt="2025-02-17T12:12:00.805" v="29" actId="1076"/>
           <ac:spMkLst>
             <pc:docMk/>
-            <pc:sldMk cId="529102801" sldId="260"/>
-            <ac:spMk id="2" creationId="{52B2F4CD-8C21-3125-A63F-C3373A2EAE7A}"/>
+            <pc:sldMk cId="763570964" sldId="261"/>
+            <ac:spMk id="2" creationId="{A93E91DA-686F-8E22-A65B-C2A10C3ABE87}"/>
           </ac:spMkLst>
         </pc:spChg>
-        <pc:spChg chg="del">
-          <ac:chgData name="Frederik Skou Fertin" userId="8951aed8-7c9b-49ea-93bd-9fdf65fe1278" providerId="ADAL" clId="{ABAAEE3B-460B-46AE-901F-2718EB8CBCD4}" dt="2024-08-27T11:12:48.716" v="21" actId="478"/>
+        <pc:spChg chg="mod">
+          <ac:chgData name="Frederik Skou Fertin" userId="8951aed8-7c9b-49ea-93bd-9fdf65fe1278" providerId="ADAL" clId="{8081A538-EAC3-4A0F-95A9-0F785E0C3A3F}" dt="2025-02-17T12:20:46.699" v="37" actId="1076"/>
           <ac:spMkLst>
             <pc:docMk/>
-            <pc:sldMk cId="529102801" sldId="260"/>
-            <ac:spMk id="3" creationId="{994AE78E-844E-986B-38FC-4D3AC0024451}"/>
+            <pc:sldMk cId="763570964" sldId="261"/>
+            <ac:spMk id="14" creationId="{CD578945-1E9C-3865-FABB-A8049FF73DBF}"/>
           </ac:spMkLst>
         </pc:spChg>
-        <pc:spChg chg="add mod">
-          <ac:chgData name="Frederik Skou Fertin" userId="8951aed8-7c9b-49ea-93bd-9fdf65fe1278" providerId="ADAL" clId="{ABAAEE3B-460B-46AE-901F-2718EB8CBCD4}" dt="2024-08-27T11:12:44.662" v="20" actId="20577"/>
-          <ac:spMkLst>
+        <pc:graphicFrameChg chg="add del mod">
+          <ac:chgData name="Frederik Skou Fertin" userId="8951aed8-7c9b-49ea-93bd-9fdf65fe1278" providerId="ADAL" clId="{8081A538-EAC3-4A0F-95A9-0F785E0C3A3F}" dt="2025-02-17T12:12:40.874" v="36"/>
+          <ac:graphicFrameMkLst>
             <pc:docMk/>
-            <pc:sldMk cId="529102801" sldId="260"/>
-            <ac:spMk id="4" creationId="{6D8523C2-D6A0-A4F6-6A45-3D9C6E552143}"/>
-          </ac:spMkLst>
-        </pc:spChg>
+            <pc:sldMk cId="763570964" sldId="261"/>
+            <ac:graphicFrameMk id="4" creationId="{57B6C05C-F391-B350-D487-F19F53A96ADF}"/>
+          </ac:graphicFrameMkLst>
+        </pc:graphicFrameChg>
+        <pc:picChg chg="del mod">
+          <ac:chgData name="Frederik Skou Fertin" userId="8951aed8-7c9b-49ea-93bd-9fdf65fe1278" providerId="ADAL" clId="{8081A538-EAC3-4A0F-95A9-0F785E0C3A3F}" dt="2025-02-17T12:11:36.185" v="23" actId="478"/>
+          <ac:picMkLst>
+            <pc:docMk/>
+            <pc:sldMk cId="763570964" sldId="261"/>
+            <ac:picMk id="6" creationId="{675FA0C8-BD8E-6DFF-498C-45833A05B0F6}"/>
+          </ac:picMkLst>
+        </pc:picChg>
+        <pc:picChg chg="del mod">
+          <ac:chgData name="Frederik Skou Fertin" userId="8951aed8-7c9b-49ea-93bd-9fdf65fe1278" providerId="ADAL" clId="{8081A538-EAC3-4A0F-95A9-0F785E0C3A3F}" dt="2025-02-17T12:11:34.050" v="22" actId="478"/>
+          <ac:picMkLst>
+            <pc:docMk/>
+            <pc:sldMk cId="763570964" sldId="261"/>
+            <ac:picMk id="8" creationId="{7652E261-E559-CB5D-5DEC-1C55D984EB9E}"/>
+          </ac:picMkLst>
+        </pc:picChg>
+        <pc:picChg chg="add del mod">
+          <ac:chgData name="Frederik Skou Fertin" userId="8951aed8-7c9b-49ea-93bd-9fdf65fe1278" providerId="ADAL" clId="{8081A538-EAC3-4A0F-95A9-0F785E0C3A3F}" dt="2025-02-17T12:11:48.621" v="27" actId="478"/>
+          <ac:picMkLst>
+            <pc:docMk/>
+            <pc:sldMk cId="763570964" sldId="261"/>
+            <ac:picMk id="11" creationId="{4D02062D-EA21-1E23-F67A-CE2AC5A6851C}"/>
+          </ac:picMkLst>
+        </pc:picChg>
+        <pc:picChg chg="del mod">
+          <ac:chgData name="Frederik Skou Fertin" userId="8951aed8-7c9b-49ea-93bd-9fdf65fe1278" providerId="ADAL" clId="{8081A538-EAC3-4A0F-95A9-0F785E0C3A3F}" dt="2025-02-17T12:11:50.133" v="28" actId="478"/>
+          <ac:picMkLst>
+            <pc:docMk/>
+            <pc:sldMk cId="763570964" sldId="261"/>
+            <ac:picMk id="12" creationId="{FC47CEEF-D7B8-55CA-B3EF-462AD0D3E366}"/>
+          </ac:picMkLst>
+        </pc:picChg>
+        <pc:picChg chg="del mod">
+          <ac:chgData name="Frederik Skou Fertin" userId="8951aed8-7c9b-49ea-93bd-9fdf65fe1278" providerId="ADAL" clId="{8081A538-EAC3-4A0F-95A9-0F785E0C3A3F}" dt="2025-02-17T12:11:39.858" v="24" actId="478"/>
+          <ac:picMkLst>
+            <pc:docMk/>
+            <pc:sldMk cId="763570964" sldId="261"/>
+            <ac:picMk id="13" creationId="{C3C6DEBE-EDA8-B002-0A6E-BDEE280213BA}"/>
+          </ac:picMkLst>
+        </pc:picChg>
+        <pc:cxnChg chg="add del mod">
+          <ac:chgData name="Frederik Skou Fertin" userId="8951aed8-7c9b-49ea-93bd-9fdf65fe1278" providerId="ADAL" clId="{8081A538-EAC3-4A0F-95A9-0F785E0C3A3F}" dt="2025-02-17T12:23:59.701" v="40" actId="478"/>
+          <ac:cxnSpMkLst>
+            <pc:docMk/>
+            <pc:sldMk cId="763570964" sldId="261"/>
+            <ac:cxnSpMk id="5" creationId="{1C544774-C4D7-F506-6B04-933F92A5B303}"/>
+          </ac:cxnSpMkLst>
+        </pc:cxnChg>
       </pc:sldChg>
     </pc:docChg>
   </pc:docChgLst>
@@ -1171,6 +1012,753 @@
 </file>
 
 <file path=ppt/diagrams/colors2.xml><?xml version="1.0" encoding="utf-8"?>
+<dgm:colorsDef xmlns:dgm="http://schemas.openxmlformats.org/drawingml/2006/diagram" xmlns:a="http://schemas.openxmlformats.org/drawingml/2006/main" uniqueId="urn:microsoft.com/office/officeart/2005/8/colors/accent1_2">
+  <dgm:title val=""/>
+  <dgm:desc val=""/>
+  <dgm:catLst>
+    <dgm:cat type="accent1" pri="11200"/>
+  </dgm:catLst>
+  <dgm:styleLbl name="node0">
+    <dgm:fillClrLst meth="repeat">
+      <a:schemeClr val="accent1"/>
+    </dgm:fillClrLst>
+    <dgm:linClrLst meth="repeat">
+      <a:schemeClr val="lt1"/>
+    </dgm:linClrLst>
+    <dgm:effectClrLst/>
+    <dgm:txLinClrLst/>
+    <dgm:txFillClrLst/>
+    <dgm:txEffectClrLst/>
+  </dgm:styleLbl>
+  <dgm:styleLbl name="alignNode1">
+    <dgm:fillClrLst meth="repeat">
+      <a:schemeClr val="accent1"/>
+    </dgm:fillClrLst>
+    <dgm:linClrLst meth="repeat">
+      <a:schemeClr val="accent1"/>
+    </dgm:linClrLst>
+    <dgm:effectClrLst/>
+    <dgm:txLinClrLst/>
+    <dgm:txFillClrLst/>
+    <dgm:txEffectClrLst/>
+  </dgm:styleLbl>
+  <dgm:styleLbl name="node1">
+    <dgm:fillClrLst meth="repeat">
+      <a:schemeClr val="accent1"/>
+    </dgm:fillClrLst>
+    <dgm:linClrLst meth="repeat">
+      <a:schemeClr val="lt1"/>
+    </dgm:linClrLst>
+    <dgm:effectClrLst/>
+    <dgm:txLinClrLst/>
+    <dgm:txFillClrLst/>
+    <dgm:txEffectClrLst/>
+  </dgm:styleLbl>
+  <dgm:styleLbl name="lnNode1">
+    <dgm:fillClrLst meth="repeat">
+      <a:schemeClr val="accent1"/>
+    </dgm:fillClrLst>
+    <dgm:linClrLst meth="repeat">
+      <a:schemeClr val="lt1"/>
+    </dgm:linClrLst>
+    <dgm:effectClrLst/>
+    <dgm:txLinClrLst/>
+    <dgm:txFillClrLst/>
+    <dgm:txEffectClrLst/>
+  </dgm:styleLbl>
+  <dgm:styleLbl name="vennNode1">
+    <dgm:fillClrLst meth="repeat">
+      <a:schemeClr val="accent1">
+        <a:alpha val="50000"/>
+      </a:schemeClr>
+    </dgm:fillClrLst>
+    <dgm:linClrLst meth="repeat">
+      <a:schemeClr val="lt1"/>
+    </dgm:linClrLst>
+    <dgm:effectClrLst/>
+    <dgm:txLinClrLst/>
+    <dgm:txFillClrLst/>
+    <dgm:txEffectClrLst/>
+  </dgm:styleLbl>
+  <dgm:styleLbl name="node2">
+    <dgm:fillClrLst meth="repeat">
+      <a:schemeClr val="accent1"/>
+    </dgm:fillClrLst>
+    <dgm:linClrLst meth="repeat">
+      <a:schemeClr val="lt1"/>
+    </dgm:linClrLst>
+    <dgm:effectClrLst/>
+    <dgm:txLinClrLst/>
+    <dgm:txFillClrLst/>
+    <dgm:txEffectClrLst/>
+  </dgm:styleLbl>
+  <dgm:styleLbl name="node3">
+    <dgm:fillClrLst meth="repeat">
+      <a:schemeClr val="accent1"/>
+    </dgm:fillClrLst>
+    <dgm:linClrLst meth="repeat">
+      <a:schemeClr val="lt1"/>
+    </dgm:linClrLst>
+    <dgm:effectClrLst/>
+    <dgm:txLinClrLst/>
+    <dgm:txFillClrLst/>
+    <dgm:txEffectClrLst/>
+  </dgm:styleLbl>
+  <dgm:styleLbl name="node4">
+    <dgm:fillClrLst meth="repeat">
+      <a:schemeClr val="accent1"/>
+    </dgm:fillClrLst>
+    <dgm:linClrLst meth="repeat">
+      <a:schemeClr val="lt1"/>
+    </dgm:linClrLst>
+    <dgm:effectClrLst/>
+    <dgm:txLinClrLst/>
+    <dgm:txFillClrLst/>
+    <dgm:txEffectClrLst/>
+  </dgm:styleLbl>
+  <dgm:styleLbl name="fgImgPlace1">
+    <dgm:fillClrLst meth="repeat">
+      <a:schemeClr val="accent1">
+        <a:tint val="50000"/>
+      </a:schemeClr>
+    </dgm:fillClrLst>
+    <dgm:linClrLst meth="repeat">
+      <a:schemeClr val="lt1"/>
+    </dgm:linClrLst>
+    <dgm:effectClrLst/>
+    <dgm:txLinClrLst/>
+    <dgm:txFillClrLst meth="repeat">
+      <a:schemeClr val="lt1"/>
+    </dgm:txFillClrLst>
+    <dgm:txEffectClrLst/>
+  </dgm:styleLbl>
+  <dgm:styleLbl name="alignImgPlace1">
+    <dgm:fillClrLst meth="repeat">
+      <a:schemeClr val="accent1">
+        <a:tint val="50000"/>
+      </a:schemeClr>
+    </dgm:fillClrLst>
+    <dgm:linClrLst meth="repeat">
+      <a:schemeClr val="lt1"/>
+    </dgm:linClrLst>
+    <dgm:effectClrLst/>
+    <dgm:txLinClrLst/>
+    <dgm:txFillClrLst meth="repeat">
+      <a:schemeClr val="lt1"/>
+    </dgm:txFillClrLst>
+    <dgm:txEffectClrLst/>
+  </dgm:styleLbl>
+  <dgm:styleLbl name="bgImgPlace1">
+    <dgm:fillClrLst meth="repeat">
+      <a:schemeClr val="accent1">
+        <a:tint val="50000"/>
+      </a:schemeClr>
+    </dgm:fillClrLst>
+    <dgm:linClrLst meth="repeat">
+      <a:schemeClr val="lt1"/>
+    </dgm:linClrLst>
+    <dgm:effectClrLst/>
+    <dgm:txLinClrLst/>
+    <dgm:txFillClrLst meth="repeat">
+      <a:schemeClr val="lt1"/>
+    </dgm:txFillClrLst>
+    <dgm:txEffectClrLst/>
+  </dgm:styleLbl>
+  <dgm:styleLbl name="sibTrans2D1">
+    <dgm:fillClrLst meth="repeat">
+      <a:schemeClr val="accent1">
+        <a:tint val="60000"/>
+      </a:schemeClr>
+    </dgm:fillClrLst>
+    <dgm:linClrLst meth="repeat">
+      <a:schemeClr val="accent1">
+        <a:tint val="60000"/>
+      </a:schemeClr>
+    </dgm:linClrLst>
+    <dgm:effectClrLst/>
+    <dgm:txLinClrLst/>
+    <dgm:txFillClrLst/>
+    <dgm:txEffectClrLst/>
+  </dgm:styleLbl>
+  <dgm:styleLbl name="fgSibTrans2D1">
+    <dgm:fillClrLst meth="repeat">
+      <a:schemeClr val="accent1">
+        <a:tint val="60000"/>
+      </a:schemeClr>
+    </dgm:fillClrLst>
+    <dgm:linClrLst meth="repeat">
+      <a:schemeClr val="accent1">
+        <a:tint val="60000"/>
+      </a:schemeClr>
+    </dgm:linClrLst>
+    <dgm:effectClrLst/>
+    <dgm:txLinClrLst/>
+    <dgm:txFillClrLst/>
+    <dgm:txEffectClrLst/>
+  </dgm:styleLbl>
+  <dgm:styleLbl name="bgSibTrans2D1">
+    <dgm:fillClrLst meth="repeat">
+      <a:schemeClr val="accent1">
+        <a:tint val="60000"/>
+      </a:schemeClr>
+    </dgm:fillClrLst>
+    <dgm:linClrLst meth="repeat">
+      <a:schemeClr val="accent1">
+        <a:tint val="60000"/>
+      </a:schemeClr>
+    </dgm:linClrLst>
+    <dgm:effectClrLst/>
+    <dgm:txLinClrLst/>
+    <dgm:txFillClrLst/>
+    <dgm:txEffectClrLst/>
+  </dgm:styleLbl>
+  <dgm:styleLbl name="sibTrans1D1">
+    <dgm:fillClrLst meth="repeat">
+      <a:schemeClr val="accent1"/>
+    </dgm:fillClrLst>
+    <dgm:linClrLst meth="repeat">
+      <a:schemeClr val="accent1"/>
+    </dgm:linClrLst>
+    <dgm:effectClrLst/>
+    <dgm:txLinClrLst/>
+    <dgm:txFillClrLst meth="repeat">
+      <a:schemeClr val="tx1"/>
+    </dgm:txFillClrLst>
+    <dgm:txEffectClrLst/>
+  </dgm:styleLbl>
+  <dgm:styleLbl name="callout">
+    <dgm:fillClrLst meth="repeat">
+      <a:schemeClr val="accent1"/>
+    </dgm:fillClrLst>
+    <dgm:linClrLst meth="repeat">
+      <a:schemeClr val="accent1">
+        <a:tint val="50000"/>
+      </a:schemeClr>
+    </dgm:linClrLst>
+    <dgm:effectClrLst/>
+    <dgm:txLinClrLst/>
+    <dgm:txFillClrLst meth="repeat">
+      <a:schemeClr val="tx1"/>
+    </dgm:txFillClrLst>
+    <dgm:txEffectClrLst/>
+  </dgm:styleLbl>
+  <dgm:styleLbl name="asst0">
+    <dgm:fillClrLst meth="repeat">
+      <a:schemeClr val="accent1"/>
+    </dgm:fillClrLst>
+    <dgm:linClrLst meth="repeat">
+      <a:schemeClr val="lt1"/>
+    </dgm:linClrLst>
+    <dgm:effectClrLst/>
+    <dgm:txLinClrLst/>
+    <dgm:txFillClrLst/>
+    <dgm:txEffectClrLst/>
+  </dgm:styleLbl>
+  <dgm:styleLbl name="asst1">
+    <dgm:fillClrLst meth="repeat">
+      <a:schemeClr val="accent1"/>
+    </dgm:fillClrLst>
+    <dgm:linClrLst meth="repeat">
+      <a:schemeClr val="lt1"/>
+    </dgm:linClrLst>
+    <dgm:effectClrLst/>
+    <dgm:txLinClrLst/>
+    <dgm:txFillClrLst/>
+    <dgm:txEffectClrLst/>
+  </dgm:styleLbl>
+  <dgm:styleLbl name="asst2">
+    <dgm:fillClrLst meth="repeat">
+      <a:schemeClr val="accent1"/>
+    </dgm:fillClrLst>
+    <dgm:linClrLst meth="repeat">
+      <a:schemeClr val="lt1"/>
+    </dgm:linClrLst>
+    <dgm:effectClrLst/>
+    <dgm:txLinClrLst/>
+    <dgm:txFillClrLst/>
+    <dgm:txEffectClrLst/>
+  </dgm:styleLbl>
+  <dgm:styleLbl name="asst3">
+    <dgm:fillClrLst meth="repeat">
+      <a:schemeClr val="accent1"/>
+    </dgm:fillClrLst>
+    <dgm:linClrLst meth="repeat">
+      <a:schemeClr val="lt1"/>
+    </dgm:linClrLst>
+    <dgm:effectClrLst/>
+    <dgm:txLinClrLst/>
+    <dgm:txFillClrLst/>
+    <dgm:txEffectClrLst/>
+  </dgm:styleLbl>
+  <dgm:styleLbl name="asst4">
+    <dgm:fillClrLst meth="repeat">
+      <a:schemeClr val="accent1"/>
+    </dgm:fillClrLst>
+    <dgm:linClrLst meth="repeat">
+      <a:schemeClr val="lt1"/>
+    </dgm:linClrLst>
+    <dgm:effectClrLst/>
+    <dgm:txLinClrLst/>
+    <dgm:txFillClrLst/>
+    <dgm:txEffectClrLst/>
+  </dgm:styleLbl>
+  <dgm:styleLbl name="parChTrans2D1">
+    <dgm:fillClrLst meth="repeat">
+      <a:schemeClr val="accent1">
+        <a:tint val="60000"/>
+      </a:schemeClr>
+    </dgm:fillClrLst>
+    <dgm:linClrLst meth="repeat">
+      <a:schemeClr val="accent1">
+        <a:tint val="60000"/>
+      </a:schemeClr>
+    </dgm:linClrLst>
+    <dgm:effectClrLst/>
+    <dgm:txLinClrLst/>
+    <dgm:txFillClrLst meth="repeat">
+      <a:schemeClr val="lt1"/>
+    </dgm:txFillClrLst>
+    <dgm:txEffectClrLst/>
+  </dgm:styleLbl>
+  <dgm:styleLbl name="parChTrans2D2">
+    <dgm:fillClrLst meth="repeat">
+      <a:schemeClr val="accent1"/>
+    </dgm:fillClrLst>
+    <dgm:linClrLst meth="repeat">
+      <a:schemeClr val="accent1"/>
+    </dgm:linClrLst>
+    <dgm:effectClrLst/>
+    <dgm:txLinClrLst/>
+    <dgm:txFillClrLst meth="repeat">
+      <a:schemeClr val="lt1"/>
+    </dgm:txFillClrLst>
+    <dgm:txEffectClrLst/>
+  </dgm:styleLbl>
+  <dgm:styleLbl name="parChTrans2D3">
+    <dgm:fillClrLst meth="repeat">
+      <a:schemeClr val="accent1"/>
+    </dgm:fillClrLst>
+    <dgm:linClrLst meth="repeat">
+      <a:schemeClr val="accent1"/>
+    </dgm:linClrLst>
+    <dgm:effectClrLst/>
+    <dgm:txLinClrLst/>
+    <dgm:txFillClrLst meth="repeat">
+      <a:schemeClr val="lt1"/>
+    </dgm:txFillClrLst>
+    <dgm:txEffectClrLst/>
+  </dgm:styleLbl>
+  <dgm:styleLbl name="parChTrans2D4">
+    <dgm:fillClrLst meth="repeat">
+      <a:schemeClr val="accent1"/>
+    </dgm:fillClrLst>
+    <dgm:linClrLst meth="repeat">
+      <a:schemeClr val="accent1"/>
+    </dgm:linClrLst>
+    <dgm:effectClrLst/>
+    <dgm:txLinClrLst/>
+    <dgm:txFillClrLst meth="repeat">
+      <a:schemeClr val="lt1"/>
+    </dgm:txFillClrLst>
+    <dgm:txEffectClrLst/>
+  </dgm:styleLbl>
+  <dgm:styleLbl name="parChTrans1D1">
+    <dgm:fillClrLst meth="repeat">
+      <a:schemeClr val="accent1"/>
+    </dgm:fillClrLst>
+    <dgm:linClrLst meth="repeat">
+      <a:schemeClr val="accent1">
+        <a:shade val="60000"/>
+      </a:schemeClr>
+    </dgm:linClrLst>
+    <dgm:effectClrLst/>
+    <dgm:txLinClrLst/>
+    <dgm:txFillClrLst meth="repeat">
+      <a:schemeClr val="tx1"/>
+    </dgm:txFillClrLst>
+    <dgm:txEffectClrLst/>
+  </dgm:styleLbl>
+  <dgm:styleLbl name="parChTrans1D2">
+    <dgm:fillClrLst meth="repeat">
+      <a:schemeClr val="accent1"/>
+    </dgm:fillClrLst>
+    <dgm:linClrLst meth="repeat">
+      <a:schemeClr val="accent1">
+        <a:shade val="60000"/>
+      </a:schemeClr>
+    </dgm:linClrLst>
+    <dgm:effectClrLst/>
+    <dgm:txLinClrLst/>
+    <dgm:txFillClrLst meth="repeat">
+      <a:schemeClr val="tx1"/>
+    </dgm:txFillClrLst>
+    <dgm:txEffectClrLst/>
+  </dgm:styleLbl>
+  <dgm:styleLbl name="parChTrans1D3">
+    <dgm:fillClrLst meth="repeat">
+      <a:schemeClr val="accent1"/>
+    </dgm:fillClrLst>
+    <dgm:linClrLst meth="repeat">
+      <a:schemeClr val="accent1">
+        <a:shade val="80000"/>
+      </a:schemeClr>
+    </dgm:linClrLst>
+    <dgm:effectClrLst/>
+    <dgm:txLinClrLst/>
+    <dgm:txFillClrLst meth="repeat">
+      <a:schemeClr val="tx1"/>
+    </dgm:txFillClrLst>
+    <dgm:txEffectClrLst/>
+  </dgm:styleLbl>
+  <dgm:styleLbl name="parChTrans1D4">
+    <dgm:fillClrLst meth="repeat">
+      <a:schemeClr val="accent1"/>
+    </dgm:fillClrLst>
+    <dgm:linClrLst meth="repeat">
+      <a:schemeClr val="accent1">
+        <a:shade val="80000"/>
+      </a:schemeClr>
+    </dgm:linClrLst>
+    <dgm:effectClrLst/>
+    <dgm:txLinClrLst/>
+    <dgm:txFillClrLst meth="repeat">
+      <a:schemeClr val="tx1"/>
+    </dgm:txFillClrLst>
+    <dgm:txEffectClrLst/>
+  </dgm:styleLbl>
+  <dgm:styleLbl name="fgAcc1">
+    <dgm:fillClrLst meth="repeat">
+      <a:schemeClr val="lt1">
+        <a:alpha val="90000"/>
+      </a:schemeClr>
+    </dgm:fillClrLst>
+    <dgm:linClrLst meth="repeat">
+      <a:schemeClr val="accent1"/>
+    </dgm:linClrLst>
+    <dgm:effectClrLst/>
+    <dgm:txLinClrLst/>
+    <dgm:txFillClrLst meth="repeat">
+      <a:schemeClr val="dk1"/>
+    </dgm:txFillClrLst>
+    <dgm:txEffectClrLst/>
+  </dgm:styleLbl>
+  <dgm:styleLbl name="conFgAcc1">
+    <dgm:fillClrLst meth="repeat">
+      <a:schemeClr val="lt1">
+        <a:alpha val="90000"/>
+      </a:schemeClr>
+    </dgm:fillClrLst>
+    <dgm:linClrLst meth="repeat">
+      <a:schemeClr val="accent1"/>
+    </dgm:linClrLst>
+    <dgm:effectClrLst/>
+    <dgm:txLinClrLst/>
+    <dgm:txFillClrLst meth="repeat">
+      <a:schemeClr val="dk1"/>
+    </dgm:txFillClrLst>
+    <dgm:txEffectClrLst/>
+  </dgm:styleLbl>
+  <dgm:styleLbl name="alignAcc1">
+    <dgm:fillClrLst meth="repeat">
+      <a:schemeClr val="lt1">
+        <a:alpha val="90000"/>
+      </a:schemeClr>
+    </dgm:fillClrLst>
+    <dgm:linClrLst meth="repeat">
+      <a:schemeClr val="accent1"/>
+    </dgm:linClrLst>
+    <dgm:effectClrLst/>
+    <dgm:txLinClrLst/>
+    <dgm:txFillClrLst meth="repeat">
+      <a:schemeClr val="dk1"/>
+    </dgm:txFillClrLst>
+    <dgm:txEffectClrLst/>
+  </dgm:styleLbl>
+  <dgm:styleLbl name="trAlignAcc1">
+    <dgm:fillClrLst meth="repeat">
+      <a:schemeClr val="lt1">
+        <a:alpha val="40000"/>
+      </a:schemeClr>
+    </dgm:fillClrLst>
+    <dgm:linClrLst meth="repeat">
+      <a:schemeClr val="accent1"/>
+    </dgm:linClrLst>
+    <dgm:effectClrLst/>
+    <dgm:txLinClrLst/>
+    <dgm:txFillClrLst meth="repeat">
+      <a:schemeClr val="dk1"/>
+    </dgm:txFillClrLst>
+    <dgm:txEffectClrLst/>
+  </dgm:styleLbl>
+  <dgm:styleLbl name="bgAcc1">
+    <dgm:fillClrLst meth="repeat">
+      <a:schemeClr val="lt1">
+        <a:alpha val="90000"/>
+      </a:schemeClr>
+    </dgm:fillClrLst>
+    <dgm:linClrLst meth="repeat">
+      <a:schemeClr val="accent1"/>
+    </dgm:linClrLst>
+    <dgm:effectClrLst/>
+    <dgm:txLinClrLst/>
+    <dgm:txFillClrLst meth="repeat">
+      <a:schemeClr val="dk1"/>
+    </dgm:txFillClrLst>
+    <dgm:txEffectClrLst/>
+  </dgm:styleLbl>
+  <dgm:styleLbl name="solidFgAcc1">
+    <dgm:fillClrLst meth="repeat">
+      <a:schemeClr val="lt1"/>
+    </dgm:fillClrLst>
+    <dgm:linClrLst meth="repeat">
+      <a:schemeClr val="accent1"/>
+    </dgm:linClrLst>
+    <dgm:effectClrLst/>
+    <dgm:txLinClrLst/>
+    <dgm:txFillClrLst meth="repeat">
+      <a:schemeClr val="dk1"/>
+    </dgm:txFillClrLst>
+    <dgm:txEffectClrLst/>
+  </dgm:styleLbl>
+  <dgm:styleLbl name="solidAlignAcc1">
+    <dgm:fillClrLst meth="repeat">
+      <a:schemeClr val="lt1"/>
+    </dgm:fillClrLst>
+    <dgm:linClrLst meth="repeat">
+      <a:schemeClr val="accent1"/>
+    </dgm:linClrLst>
+    <dgm:effectClrLst/>
+    <dgm:txLinClrLst/>
+    <dgm:txFillClrLst meth="repeat">
+      <a:schemeClr val="dk1"/>
+    </dgm:txFillClrLst>
+    <dgm:txEffectClrLst/>
+  </dgm:styleLbl>
+  <dgm:styleLbl name="solidBgAcc1">
+    <dgm:fillClrLst meth="repeat">
+      <a:schemeClr val="lt1"/>
+    </dgm:fillClrLst>
+    <dgm:linClrLst meth="repeat">
+      <a:schemeClr val="accent1"/>
+    </dgm:linClrLst>
+    <dgm:effectClrLst/>
+    <dgm:txLinClrLst/>
+    <dgm:txFillClrLst meth="repeat">
+      <a:schemeClr val="dk1"/>
+    </dgm:txFillClrLst>
+    <dgm:txEffectClrLst/>
+  </dgm:styleLbl>
+  <dgm:styleLbl name="fgAccFollowNode1">
+    <dgm:fillClrLst meth="repeat">
+      <a:schemeClr val="accent1">
+        <a:alpha val="90000"/>
+        <a:tint val="40000"/>
+      </a:schemeClr>
+    </dgm:fillClrLst>
+    <dgm:linClrLst meth="repeat">
+      <a:schemeClr val="accent1">
+        <a:alpha val="90000"/>
+        <a:tint val="40000"/>
+      </a:schemeClr>
+    </dgm:linClrLst>
+    <dgm:effectClrLst/>
+    <dgm:txLinClrLst/>
+    <dgm:txFillClrLst meth="repeat">
+      <a:schemeClr val="dk1"/>
+    </dgm:txFillClrLst>
+    <dgm:txEffectClrLst/>
+  </dgm:styleLbl>
+  <dgm:styleLbl name="alignAccFollowNode1">
+    <dgm:fillClrLst meth="repeat">
+      <a:schemeClr val="accent1">
+        <a:alpha val="90000"/>
+        <a:tint val="40000"/>
+      </a:schemeClr>
+    </dgm:fillClrLst>
+    <dgm:linClrLst meth="repeat">
+      <a:schemeClr val="accent1">
+        <a:alpha val="90000"/>
+        <a:tint val="40000"/>
+      </a:schemeClr>
+    </dgm:linClrLst>
+    <dgm:effectClrLst/>
+    <dgm:txLinClrLst/>
+    <dgm:txFillClrLst meth="repeat">
+      <a:schemeClr val="dk1"/>
+    </dgm:txFillClrLst>
+    <dgm:txEffectClrLst/>
+  </dgm:styleLbl>
+  <dgm:styleLbl name="bgAccFollowNode1">
+    <dgm:fillClrLst meth="repeat">
+      <a:schemeClr val="accent1">
+        <a:alpha val="90000"/>
+        <a:tint val="40000"/>
+      </a:schemeClr>
+    </dgm:fillClrLst>
+    <dgm:linClrLst meth="repeat">
+      <a:schemeClr val="accent1">
+        <a:alpha val="90000"/>
+        <a:tint val="40000"/>
+      </a:schemeClr>
+    </dgm:linClrLst>
+    <dgm:effectClrLst/>
+    <dgm:txLinClrLst/>
+    <dgm:txFillClrLst meth="repeat">
+      <a:schemeClr val="dk1"/>
+    </dgm:txFillClrLst>
+    <dgm:txEffectClrLst/>
+  </dgm:styleLbl>
+  <dgm:styleLbl name="fgAcc0">
+    <dgm:fillClrLst meth="repeat">
+      <a:schemeClr val="lt1">
+        <a:alpha val="90000"/>
+      </a:schemeClr>
+    </dgm:fillClrLst>
+    <dgm:linClrLst meth="repeat">
+      <a:schemeClr val="accent1"/>
+    </dgm:linClrLst>
+    <dgm:effectClrLst/>
+    <dgm:txLinClrLst/>
+    <dgm:txFillClrLst meth="repeat">
+      <a:schemeClr val="dk1"/>
+    </dgm:txFillClrLst>
+    <dgm:txEffectClrLst/>
+  </dgm:styleLbl>
+  <dgm:styleLbl name="fgAcc2">
+    <dgm:fillClrLst meth="repeat">
+      <a:schemeClr val="lt1">
+        <a:alpha val="90000"/>
+      </a:schemeClr>
+    </dgm:fillClrLst>
+    <dgm:linClrLst meth="repeat">
+      <a:schemeClr val="accent1"/>
+    </dgm:linClrLst>
+    <dgm:effectClrLst/>
+    <dgm:txLinClrLst/>
+    <dgm:txFillClrLst meth="repeat">
+      <a:schemeClr val="dk1"/>
+    </dgm:txFillClrLst>
+    <dgm:txEffectClrLst/>
+  </dgm:styleLbl>
+  <dgm:styleLbl name="fgAcc3">
+    <dgm:fillClrLst meth="repeat">
+      <a:schemeClr val="lt1">
+        <a:alpha val="90000"/>
+      </a:schemeClr>
+    </dgm:fillClrLst>
+    <dgm:linClrLst meth="repeat">
+      <a:schemeClr val="accent1"/>
+    </dgm:linClrLst>
+    <dgm:effectClrLst/>
+    <dgm:txLinClrLst/>
+    <dgm:txFillClrLst meth="repeat">
+      <a:schemeClr val="dk1"/>
+    </dgm:txFillClrLst>
+    <dgm:txEffectClrLst/>
+  </dgm:styleLbl>
+  <dgm:styleLbl name="fgAcc4">
+    <dgm:fillClrLst meth="repeat">
+      <a:schemeClr val="lt1">
+        <a:alpha val="90000"/>
+      </a:schemeClr>
+    </dgm:fillClrLst>
+    <dgm:linClrLst meth="repeat">
+      <a:schemeClr val="accent1"/>
+    </dgm:linClrLst>
+    <dgm:effectClrLst/>
+    <dgm:txLinClrLst/>
+    <dgm:txFillClrLst meth="repeat">
+      <a:schemeClr val="dk1"/>
+    </dgm:txFillClrLst>
+    <dgm:txEffectClrLst/>
+  </dgm:styleLbl>
+  <dgm:styleLbl name="bgShp">
+    <dgm:fillClrLst meth="repeat">
+      <a:schemeClr val="accent1">
+        <a:tint val="40000"/>
+      </a:schemeClr>
+    </dgm:fillClrLst>
+    <dgm:linClrLst meth="repeat">
+      <a:schemeClr val="accent1"/>
+    </dgm:linClrLst>
+    <dgm:effectClrLst/>
+    <dgm:txLinClrLst/>
+    <dgm:txFillClrLst meth="repeat">
+      <a:schemeClr val="dk1"/>
+    </dgm:txFillClrLst>
+    <dgm:txEffectClrLst/>
+  </dgm:styleLbl>
+  <dgm:styleLbl name="dkBgShp">
+    <dgm:fillClrLst meth="repeat">
+      <a:schemeClr val="accent1">
+        <a:shade val="80000"/>
+      </a:schemeClr>
+    </dgm:fillClrLst>
+    <dgm:linClrLst meth="repeat">
+      <a:schemeClr val="accent1"/>
+    </dgm:linClrLst>
+    <dgm:effectClrLst/>
+    <dgm:txLinClrLst/>
+    <dgm:txFillClrLst meth="repeat">
+      <a:schemeClr val="lt1"/>
+    </dgm:txFillClrLst>
+    <dgm:txEffectClrLst/>
+  </dgm:styleLbl>
+  <dgm:styleLbl name="trBgShp">
+    <dgm:fillClrLst meth="repeat">
+      <a:schemeClr val="accent1">
+        <a:tint val="50000"/>
+        <a:alpha val="40000"/>
+      </a:schemeClr>
+    </dgm:fillClrLst>
+    <dgm:linClrLst meth="repeat">
+      <a:schemeClr val="accent1"/>
+    </dgm:linClrLst>
+    <dgm:effectClrLst/>
+    <dgm:txLinClrLst/>
+    <dgm:txFillClrLst meth="repeat">
+      <a:schemeClr val="lt1"/>
+    </dgm:txFillClrLst>
+    <dgm:txEffectClrLst/>
+  </dgm:styleLbl>
+  <dgm:styleLbl name="fgShp">
+    <dgm:fillClrLst meth="repeat">
+      <a:schemeClr val="accent1">
+        <a:tint val="60000"/>
+      </a:schemeClr>
+    </dgm:fillClrLst>
+    <dgm:linClrLst meth="repeat">
+      <a:schemeClr val="lt1"/>
+    </dgm:linClrLst>
+    <dgm:effectClrLst/>
+    <dgm:txLinClrLst/>
+    <dgm:txFillClrLst meth="repeat">
+      <a:schemeClr val="dk1"/>
+    </dgm:txFillClrLst>
+    <dgm:txEffectClrLst/>
+  </dgm:styleLbl>
+  <dgm:styleLbl name="revTx">
+    <dgm:fillClrLst meth="repeat">
+      <a:schemeClr val="lt1">
+        <a:alpha val="0"/>
+      </a:schemeClr>
+    </dgm:fillClrLst>
+    <dgm:linClrLst meth="repeat">
+      <a:schemeClr val="dk1">
+        <a:alpha val="0"/>
+      </a:schemeClr>
+    </dgm:linClrLst>
+    <dgm:effectClrLst/>
+    <dgm:txLinClrLst/>
+    <dgm:txFillClrLst meth="repeat">
+      <a:schemeClr val="tx1"/>
+    </dgm:txFillClrLst>
+    <dgm:txEffectClrLst/>
+  </dgm:styleLbl>
+</dgm:colorsDef>
+</file>
+
+<file path=ppt/diagrams/colors3.xml><?xml version="1.0" encoding="utf-8"?>
 <dgm:colorsDef xmlns:dgm="http://schemas.openxmlformats.org/drawingml/2006/diagram" xmlns:a="http://schemas.openxmlformats.org/drawingml/2006/main" uniqueId="urn:microsoft.com/office/officeart/2005/8/colors/accent1_2">
   <dgm:title val=""/>
   <dgm:desc val=""/>
@@ -2309,6 +2897,397 @@
 </file>
 
 <file path=ppt/diagrams/data2.xml><?xml version="1.0" encoding="utf-8"?>
+<dgm:dataModel xmlns:dgm="http://schemas.openxmlformats.org/drawingml/2006/diagram" xmlns:a="http://schemas.openxmlformats.org/drawingml/2006/main">
+  <dgm:ptLst>
+    <dgm:pt modelId="{3FF3BACF-16FB-4B79-8AB4-E24C7911A87C}" type="doc">
+      <dgm:prSet loTypeId="urn:microsoft.com/office/officeart/2005/8/layout/cycle1" loCatId="cycle" qsTypeId="urn:microsoft.com/office/officeart/2005/8/quickstyle/simple1" qsCatId="simple" csTypeId="urn:microsoft.com/office/officeart/2005/8/colors/accent1_2" csCatId="accent1" phldr="1"/>
+      <dgm:spPr/>
+      <dgm:t>
+        <a:bodyPr/>
+        <a:lstStyle/>
+        <a:p>
+          <a:endParaRPr lang="da-DK"/>
+        </a:p>
+      </dgm:t>
+    </dgm:pt>
+    <dgm:pt modelId="{1053008F-CB42-47F2-8415-F80D1C78022C}">
+      <dgm:prSet phldrT="[Text]"/>
+      <dgm:spPr/>
+      <dgm:t>
+        <a:bodyPr/>
+        <a:lstStyle/>
+        <a:p>
+          <a:r>
+            <a:rPr lang="en-US" dirty="0"/>
+            <a:t>Sectoral </a:t>
+          </a:r>
+          <a:r>
+            <a:rPr lang="da-DK" dirty="0"/>
+            <a:t>H</a:t>
+          </a:r>
+          <a:r>
+            <a:rPr lang="da-DK" baseline="-25000" dirty="0"/>
+            <a:t>2</a:t>
+          </a:r>
+          <a:r>
+            <a:rPr lang="en-US" dirty="0"/>
+            <a:t> competitiveness</a:t>
+          </a:r>
+          <a:endParaRPr lang="da-DK" dirty="0"/>
+        </a:p>
+      </dgm:t>
+    </dgm:pt>
+    <dgm:pt modelId="{8479A540-EBAF-444C-A8BC-2DBD367EA0C8}" type="parTrans" cxnId="{83F187B2-2AE1-4735-9AA5-629AFD85232D}">
+      <dgm:prSet/>
+      <dgm:spPr/>
+      <dgm:t>
+        <a:bodyPr/>
+        <a:lstStyle/>
+        <a:p>
+          <a:endParaRPr lang="da-DK"/>
+        </a:p>
+      </dgm:t>
+    </dgm:pt>
+    <dgm:pt modelId="{014F3F3F-0CD5-45A9-91F9-C6595DEBB594}" type="sibTrans" cxnId="{83F187B2-2AE1-4735-9AA5-629AFD85232D}">
+      <dgm:prSet/>
+      <dgm:spPr/>
+      <dgm:t>
+        <a:bodyPr/>
+        <a:lstStyle/>
+        <a:p>
+          <a:endParaRPr lang="da-DK"/>
+        </a:p>
+      </dgm:t>
+    </dgm:pt>
+    <dgm:pt modelId="{DCB9B287-BDC5-456B-A1E4-41AD32E38BA9}">
+      <dgm:prSet phldrT="[Text]"/>
+      <dgm:spPr/>
+      <dgm:t>
+        <a:bodyPr/>
+        <a:lstStyle/>
+        <a:p>
+          <a:r>
+            <a:rPr lang="en-US" dirty="0"/>
+            <a:t>Sectoral </a:t>
+          </a:r>
+          <a:r>
+            <a:rPr lang="da-DK" dirty="0"/>
+            <a:t>H</a:t>
+          </a:r>
+          <a:r>
+            <a:rPr lang="da-DK" baseline="-25000" dirty="0"/>
+            <a:t>2</a:t>
+          </a:r>
+          <a:r>
+            <a:rPr lang="en-US" dirty="0"/>
+            <a:t> technology investments</a:t>
+          </a:r>
+          <a:endParaRPr lang="da-DK" dirty="0"/>
+        </a:p>
+      </dgm:t>
+    </dgm:pt>
+    <dgm:pt modelId="{E19E3F59-BAA4-42BB-AD26-7A1ADEFE5BB0}" type="parTrans" cxnId="{42578A85-074C-4D1E-B1E2-18D35BD9F5B3}">
+      <dgm:prSet/>
+      <dgm:spPr/>
+      <dgm:t>
+        <a:bodyPr/>
+        <a:lstStyle/>
+        <a:p>
+          <a:endParaRPr lang="da-DK"/>
+        </a:p>
+      </dgm:t>
+    </dgm:pt>
+    <dgm:pt modelId="{4DB283A6-265A-47FC-9A84-C3A8A6DEAA4D}" type="sibTrans" cxnId="{42578A85-074C-4D1E-B1E2-18D35BD9F5B3}">
+      <dgm:prSet/>
+      <dgm:spPr/>
+      <dgm:t>
+        <a:bodyPr/>
+        <a:lstStyle/>
+        <a:p>
+          <a:endParaRPr lang="da-DK"/>
+        </a:p>
+      </dgm:t>
+    </dgm:pt>
+    <dgm:pt modelId="{17C63620-80C8-4D0C-8AB6-F866A7FD01B8}">
+      <dgm:prSet phldrT="[Text]"/>
+      <dgm:spPr/>
+      <dgm:t>
+        <a:bodyPr/>
+        <a:lstStyle/>
+        <a:p>
+          <a:r>
+            <a:rPr lang="da-DK" dirty="0"/>
+            <a:t>Total green H</a:t>
+          </a:r>
+          <a:r>
+            <a:rPr lang="da-DK" baseline="-25000" dirty="0"/>
+            <a:t>2</a:t>
+          </a:r>
+          <a:r>
+            <a:rPr lang="da-DK" dirty="0"/>
+            <a:t> demand</a:t>
+          </a:r>
+        </a:p>
+      </dgm:t>
+    </dgm:pt>
+    <dgm:pt modelId="{FBE6C122-74FC-41DA-8325-0FB229A41C5A}" type="parTrans" cxnId="{5DB051C0-605E-4CF2-8665-B7BE94256DE0}">
+      <dgm:prSet/>
+      <dgm:spPr/>
+      <dgm:t>
+        <a:bodyPr/>
+        <a:lstStyle/>
+        <a:p>
+          <a:endParaRPr lang="da-DK"/>
+        </a:p>
+      </dgm:t>
+    </dgm:pt>
+    <dgm:pt modelId="{559529CC-D9DE-4D32-B785-4D91CE6CF34D}" type="sibTrans" cxnId="{5DB051C0-605E-4CF2-8665-B7BE94256DE0}">
+      <dgm:prSet/>
+      <dgm:spPr/>
+      <dgm:t>
+        <a:bodyPr/>
+        <a:lstStyle/>
+        <a:p>
+          <a:endParaRPr lang="da-DK"/>
+        </a:p>
+      </dgm:t>
+    </dgm:pt>
+    <dgm:pt modelId="{CC5DB04E-06FB-4291-914A-3E294CDCE7D0}">
+      <dgm:prSet phldrT="[Text]"/>
+      <dgm:spPr/>
+      <dgm:t>
+        <a:bodyPr/>
+        <a:lstStyle/>
+        <a:p>
+          <a:r>
+            <a:rPr lang="da-DK" dirty="0"/>
+            <a:t>Green H</a:t>
+          </a:r>
+          <a:r>
+            <a:rPr lang="da-DK" baseline="-25000" dirty="0"/>
+            <a:t>2</a:t>
+          </a:r>
+          <a:r>
+            <a:rPr lang="da-DK" dirty="0"/>
+            <a:t> </a:t>
+          </a:r>
+          <a:r>
+            <a:rPr lang="da-DK" dirty="0" err="1"/>
+            <a:t>cost</a:t>
+          </a:r>
+          <a:endParaRPr lang="da-DK" dirty="0"/>
+        </a:p>
+      </dgm:t>
+    </dgm:pt>
+    <dgm:pt modelId="{F2D984BB-10A3-4248-A7A5-A2B18EC7E204}" type="parTrans" cxnId="{AFF235E9-71EF-4267-9B8D-C849A3EE000D}">
+      <dgm:prSet/>
+      <dgm:spPr/>
+      <dgm:t>
+        <a:bodyPr/>
+        <a:lstStyle/>
+        <a:p>
+          <a:endParaRPr lang="da-DK"/>
+        </a:p>
+      </dgm:t>
+    </dgm:pt>
+    <dgm:pt modelId="{5B5601BC-FD19-47D7-8426-7E8BD84BFE85}" type="sibTrans" cxnId="{AFF235E9-71EF-4267-9B8D-C849A3EE000D}">
+      <dgm:prSet/>
+      <dgm:spPr/>
+      <dgm:t>
+        <a:bodyPr/>
+        <a:lstStyle/>
+        <a:p>
+          <a:endParaRPr lang="da-DK"/>
+        </a:p>
+      </dgm:t>
+    </dgm:pt>
+    <dgm:pt modelId="{D4D0E6A8-35DB-419A-8456-8FC6EBA41A68}">
+      <dgm:prSet phldrT="[Text]"/>
+      <dgm:spPr/>
+      <dgm:t>
+        <a:bodyPr/>
+        <a:lstStyle/>
+        <a:p>
+          <a:r>
+            <a:rPr lang="da-DK" dirty="0" err="1"/>
+            <a:t>Sectoral</a:t>
+          </a:r>
+          <a:r>
+            <a:rPr lang="da-DK" dirty="0"/>
+            <a:t> green H</a:t>
+          </a:r>
+          <a:r>
+            <a:rPr lang="da-DK" baseline="-25000" dirty="0"/>
+            <a:t>2</a:t>
+          </a:r>
+          <a:r>
+            <a:rPr lang="da-DK" dirty="0"/>
+            <a:t> </a:t>
+          </a:r>
+          <a:r>
+            <a:rPr lang="da-DK" dirty="0" err="1"/>
+            <a:t>demands</a:t>
+          </a:r>
+          <a:endParaRPr lang="da-DK" dirty="0"/>
+        </a:p>
+      </dgm:t>
+    </dgm:pt>
+    <dgm:pt modelId="{F008F4AB-0671-4273-946D-2B9B4CE8AE7C}" type="parTrans" cxnId="{D4D737C0-FFB2-45D0-B965-F65C75905BE9}">
+      <dgm:prSet/>
+      <dgm:spPr/>
+      <dgm:t>
+        <a:bodyPr/>
+        <a:lstStyle/>
+        <a:p>
+          <a:endParaRPr lang="da-DK"/>
+        </a:p>
+      </dgm:t>
+    </dgm:pt>
+    <dgm:pt modelId="{E62F27A4-7EC3-4DB1-BA17-29B1D222ADD4}" type="sibTrans" cxnId="{D4D737C0-FFB2-45D0-B965-F65C75905BE9}">
+      <dgm:prSet/>
+      <dgm:spPr/>
+      <dgm:t>
+        <a:bodyPr/>
+        <a:lstStyle/>
+        <a:p>
+          <a:endParaRPr lang="da-DK"/>
+        </a:p>
+      </dgm:t>
+    </dgm:pt>
+    <dgm:pt modelId="{3E1CC490-E863-40F7-8B13-D1EE29F1A339}" type="pres">
+      <dgm:prSet presAssocID="{3FF3BACF-16FB-4B79-8AB4-E24C7911A87C}" presName="cycle" presStyleCnt="0">
+        <dgm:presLayoutVars>
+          <dgm:dir/>
+          <dgm:resizeHandles val="exact"/>
+        </dgm:presLayoutVars>
+      </dgm:prSet>
+      <dgm:spPr/>
+    </dgm:pt>
+    <dgm:pt modelId="{C3F88E2E-4D14-4D53-B3A1-DC477482BC82}" type="pres">
+      <dgm:prSet presAssocID="{CC5DB04E-06FB-4291-914A-3E294CDCE7D0}" presName="dummy" presStyleCnt="0"/>
+      <dgm:spPr/>
+    </dgm:pt>
+    <dgm:pt modelId="{498B11E1-7374-4F76-B36F-A3DA4FBE94DA}" type="pres">
+      <dgm:prSet presAssocID="{CC5DB04E-06FB-4291-914A-3E294CDCE7D0}" presName="node" presStyleLbl="revTx" presStyleIdx="0" presStyleCnt="5">
+        <dgm:presLayoutVars>
+          <dgm:bulletEnabled val="1"/>
+        </dgm:presLayoutVars>
+      </dgm:prSet>
+      <dgm:spPr/>
+    </dgm:pt>
+    <dgm:pt modelId="{00A2B031-A179-47A4-B179-414C21BEF9C4}" type="pres">
+      <dgm:prSet presAssocID="{5B5601BC-FD19-47D7-8426-7E8BD84BFE85}" presName="sibTrans" presStyleLbl="node1" presStyleIdx="0" presStyleCnt="5"/>
+      <dgm:spPr/>
+    </dgm:pt>
+    <dgm:pt modelId="{78DF9603-32D2-4A1D-9B3D-8BA7DB439879}" type="pres">
+      <dgm:prSet presAssocID="{1053008F-CB42-47F2-8415-F80D1C78022C}" presName="dummy" presStyleCnt="0"/>
+      <dgm:spPr/>
+    </dgm:pt>
+    <dgm:pt modelId="{CE18C366-4AAD-46E9-847A-06BBB630810C}" type="pres">
+      <dgm:prSet presAssocID="{1053008F-CB42-47F2-8415-F80D1C78022C}" presName="node" presStyleLbl="revTx" presStyleIdx="1" presStyleCnt="5">
+        <dgm:presLayoutVars>
+          <dgm:bulletEnabled val="1"/>
+        </dgm:presLayoutVars>
+      </dgm:prSet>
+      <dgm:spPr/>
+    </dgm:pt>
+    <dgm:pt modelId="{CC9AD01D-E813-4AD6-A78C-C2878940A823}" type="pres">
+      <dgm:prSet presAssocID="{014F3F3F-0CD5-45A9-91F9-C6595DEBB594}" presName="sibTrans" presStyleLbl="node1" presStyleIdx="1" presStyleCnt="5"/>
+      <dgm:spPr/>
+    </dgm:pt>
+    <dgm:pt modelId="{CB03050E-227F-4CC5-95C5-E489481E6C93}" type="pres">
+      <dgm:prSet presAssocID="{DCB9B287-BDC5-456B-A1E4-41AD32E38BA9}" presName="dummy" presStyleCnt="0"/>
+      <dgm:spPr/>
+    </dgm:pt>
+    <dgm:pt modelId="{99BEBED1-B64A-4BD0-82C2-5836438DB5B4}" type="pres">
+      <dgm:prSet presAssocID="{DCB9B287-BDC5-456B-A1E4-41AD32E38BA9}" presName="node" presStyleLbl="revTx" presStyleIdx="2" presStyleCnt="5">
+        <dgm:presLayoutVars>
+          <dgm:bulletEnabled val="1"/>
+        </dgm:presLayoutVars>
+      </dgm:prSet>
+      <dgm:spPr/>
+    </dgm:pt>
+    <dgm:pt modelId="{6CFF9E5C-02B8-4977-8BF8-02CDC05342B2}" type="pres">
+      <dgm:prSet presAssocID="{4DB283A6-265A-47FC-9A84-C3A8A6DEAA4D}" presName="sibTrans" presStyleLbl="node1" presStyleIdx="2" presStyleCnt="5"/>
+      <dgm:spPr/>
+    </dgm:pt>
+    <dgm:pt modelId="{08CFCED9-8426-4D85-B18C-F4127043F458}" type="pres">
+      <dgm:prSet presAssocID="{D4D0E6A8-35DB-419A-8456-8FC6EBA41A68}" presName="dummy" presStyleCnt="0"/>
+      <dgm:spPr/>
+    </dgm:pt>
+    <dgm:pt modelId="{BAEEC2A4-8A35-42C4-9643-D61BEBE356E1}" type="pres">
+      <dgm:prSet presAssocID="{D4D0E6A8-35DB-419A-8456-8FC6EBA41A68}" presName="node" presStyleLbl="revTx" presStyleIdx="3" presStyleCnt="5" custScaleY="72084">
+        <dgm:presLayoutVars>
+          <dgm:bulletEnabled val="1"/>
+        </dgm:presLayoutVars>
+      </dgm:prSet>
+      <dgm:spPr/>
+    </dgm:pt>
+    <dgm:pt modelId="{4AA8C60A-F0CE-4973-9365-2E48EAE590CB}" type="pres">
+      <dgm:prSet presAssocID="{E62F27A4-7EC3-4DB1-BA17-29B1D222ADD4}" presName="sibTrans" presStyleLbl="node1" presStyleIdx="3" presStyleCnt="5"/>
+      <dgm:spPr/>
+    </dgm:pt>
+    <dgm:pt modelId="{FF0B6C82-4692-4B45-8EAC-186808E5579C}" type="pres">
+      <dgm:prSet presAssocID="{17C63620-80C8-4D0C-8AB6-F866A7FD01B8}" presName="dummy" presStyleCnt="0"/>
+      <dgm:spPr/>
+    </dgm:pt>
+    <dgm:pt modelId="{84E3D954-162B-4368-87AB-7DD447ACAC9B}" type="pres">
+      <dgm:prSet presAssocID="{17C63620-80C8-4D0C-8AB6-F866A7FD01B8}" presName="node" presStyleLbl="revTx" presStyleIdx="4" presStyleCnt="5">
+        <dgm:presLayoutVars>
+          <dgm:bulletEnabled val="1"/>
+        </dgm:presLayoutVars>
+      </dgm:prSet>
+      <dgm:spPr/>
+    </dgm:pt>
+    <dgm:pt modelId="{A93B9B2C-C037-45E5-BFCA-0EF8989998BE}" type="pres">
+      <dgm:prSet presAssocID="{559529CC-D9DE-4D32-B785-4D91CE6CF34D}" presName="sibTrans" presStyleLbl="node1" presStyleIdx="4" presStyleCnt="5"/>
+      <dgm:spPr/>
+    </dgm:pt>
+  </dgm:ptLst>
+  <dgm:cxnLst>
+    <dgm:cxn modelId="{6BE47B03-4031-4801-8533-3FC3EF417E8C}" type="presOf" srcId="{D4D0E6A8-35DB-419A-8456-8FC6EBA41A68}" destId="{BAEEC2A4-8A35-42C4-9643-D61BEBE356E1}" srcOrd="0" destOrd="0" presId="urn:microsoft.com/office/officeart/2005/8/layout/cycle1"/>
+    <dgm:cxn modelId="{E9175906-5F2B-407B-BB89-48BB16103029}" type="presOf" srcId="{1053008F-CB42-47F2-8415-F80D1C78022C}" destId="{CE18C366-4AAD-46E9-847A-06BBB630810C}" srcOrd="0" destOrd="0" presId="urn:microsoft.com/office/officeart/2005/8/layout/cycle1"/>
+    <dgm:cxn modelId="{7403C109-7AF4-4DA9-A9B8-990DCA251247}" type="presOf" srcId="{DCB9B287-BDC5-456B-A1E4-41AD32E38BA9}" destId="{99BEBED1-B64A-4BD0-82C2-5836438DB5B4}" srcOrd="0" destOrd="0" presId="urn:microsoft.com/office/officeart/2005/8/layout/cycle1"/>
+    <dgm:cxn modelId="{4AAF2E0F-FBBE-4B6B-BB42-A8C25C640A21}" type="presOf" srcId="{4DB283A6-265A-47FC-9A84-C3A8A6DEAA4D}" destId="{6CFF9E5C-02B8-4977-8BF8-02CDC05342B2}" srcOrd="0" destOrd="0" presId="urn:microsoft.com/office/officeart/2005/8/layout/cycle1"/>
+    <dgm:cxn modelId="{7946216D-A5FB-4529-8DCF-DF7417847C85}" type="presOf" srcId="{014F3F3F-0CD5-45A9-91F9-C6595DEBB594}" destId="{CC9AD01D-E813-4AD6-A78C-C2878940A823}" srcOrd="0" destOrd="0" presId="urn:microsoft.com/office/officeart/2005/8/layout/cycle1"/>
+    <dgm:cxn modelId="{42578A85-074C-4D1E-B1E2-18D35BD9F5B3}" srcId="{3FF3BACF-16FB-4B79-8AB4-E24C7911A87C}" destId="{DCB9B287-BDC5-456B-A1E4-41AD32E38BA9}" srcOrd="2" destOrd="0" parTransId="{E19E3F59-BAA4-42BB-AD26-7A1ADEFE5BB0}" sibTransId="{4DB283A6-265A-47FC-9A84-C3A8A6DEAA4D}"/>
+    <dgm:cxn modelId="{26B4169F-4E05-4DF6-877C-C3ED9B7BAB41}" type="presOf" srcId="{E62F27A4-7EC3-4DB1-BA17-29B1D222ADD4}" destId="{4AA8C60A-F0CE-4973-9365-2E48EAE590CB}" srcOrd="0" destOrd="0" presId="urn:microsoft.com/office/officeart/2005/8/layout/cycle1"/>
+    <dgm:cxn modelId="{117202A2-AA5A-46E4-AC83-D9B4E5450CD3}" type="presOf" srcId="{559529CC-D9DE-4D32-B785-4D91CE6CF34D}" destId="{A93B9B2C-C037-45E5-BFCA-0EF8989998BE}" srcOrd="0" destOrd="0" presId="urn:microsoft.com/office/officeart/2005/8/layout/cycle1"/>
+    <dgm:cxn modelId="{88C40CAE-268C-4F58-96D9-93338D5556B7}" type="presOf" srcId="{17C63620-80C8-4D0C-8AB6-F866A7FD01B8}" destId="{84E3D954-162B-4368-87AB-7DD447ACAC9B}" srcOrd="0" destOrd="0" presId="urn:microsoft.com/office/officeart/2005/8/layout/cycle1"/>
+    <dgm:cxn modelId="{7B46B4B0-2F59-4337-9073-E699E76B14D2}" type="presOf" srcId="{3FF3BACF-16FB-4B79-8AB4-E24C7911A87C}" destId="{3E1CC490-E863-40F7-8B13-D1EE29F1A339}" srcOrd="0" destOrd="0" presId="urn:microsoft.com/office/officeart/2005/8/layout/cycle1"/>
+    <dgm:cxn modelId="{83F187B2-2AE1-4735-9AA5-629AFD85232D}" srcId="{3FF3BACF-16FB-4B79-8AB4-E24C7911A87C}" destId="{1053008F-CB42-47F2-8415-F80D1C78022C}" srcOrd="1" destOrd="0" parTransId="{8479A540-EBAF-444C-A8BC-2DBD367EA0C8}" sibTransId="{014F3F3F-0CD5-45A9-91F9-C6595DEBB594}"/>
+    <dgm:cxn modelId="{D4D737C0-FFB2-45D0-B965-F65C75905BE9}" srcId="{3FF3BACF-16FB-4B79-8AB4-E24C7911A87C}" destId="{D4D0E6A8-35DB-419A-8456-8FC6EBA41A68}" srcOrd="3" destOrd="0" parTransId="{F008F4AB-0671-4273-946D-2B9B4CE8AE7C}" sibTransId="{E62F27A4-7EC3-4DB1-BA17-29B1D222ADD4}"/>
+    <dgm:cxn modelId="{5DB051C0-605E-4CF2-8665-B7BE94256DE0}" srcId="{3FF3BACF-16FB-4B79-8AB4-E24C7911A87C}" destId="{17C63620-80C8-4D0C-8AB6-F866A7FD01B8}" srcOrd="4" destOrd="0" parTransId="{FBE6C122-74FC-41DA-8325-0FB229A41C5A}" sibTransId="{559529CC-D9DE-4D32-B785-4D91CE6CF34D}"/>
+    <dgm:cxn modelId="{20AF00DC-BF32-4259-A767-37C56944AACA}" type="presOf" srcId="{5B5601BC-FD19-47D7-8426-7E8BD84BFE85}" destId="{00A2B031-A179-47A4-B179-414C21BEF9C4}" srcOrd="0" destOrd="0" presId="urn:microsoft.com/office/officeart/2005/8/layout/cycle1"/>
+    <dgm:cxn modelId="{AFF235E9-71EF-4267-9B8D-C849A3EE000D}" srcId="{3FF3BACF-16FB-4B79-8AB4-E24C7911A87C}" destId="{CC5DB04E-06FB-4291-914A-3E294CDCE7D0}" srcOrd="0" destOrd="0" parTransId="{F2D984BB-10A3-4248-A7A5-A2B18EC7E204}" sibTransId="{5B5601BC-FD19-47D7-8426-7E8BD84BFE85}"/>
+    <dgm:cxn modelId="{508E23F3-350F-4A81-83B4-8B047026F4B4}" type="presOf" srcId="{CC5DB04E-06FB-4291-914A-3E294CDCE7D0}" destId="{498B11E1-7374-4F76-B36F-A3DA4FBE94DA}" srcOrd="0" destOrd="0" presId="urn:microsoft.com/office/officeart/2005/8/layout/cycle1"/>
+    <dgm:cxn modelId="{36692F1E-D5FD-4FDF-8289-C8EA544BC2A7}" type="presParOf" srcId="{3E1CC490-E863-40F7-8B13-D1EE29F1A339}" destId="{C3F88E2E-4D14-4D53-B3A1-DC477482BC82}" srcOrd="0" destOrd="0" presId="urn:microsoft.com/office/officeart/2005/8/layout/cycle1"/>
+    <dgm:cxn modelId="{3741AEE6-75BC-41F0-9646-CE77BE3E4C52}" type="presParOf" srcId="{3E1CC490-E863-40F7-8B13-D1EE29F1A339}" destId="{498B11E1-7374-4F76-B36F-A3DA4FBE94DA}" srcOrd="1" destOrd="0" presId="urn:microsoft.com/office/officeart/2005/8/layout/cycle1"/>
+    <dgm:cxn modelId="{8A681B3E-C81E-47C5-91A3-6EF773A7FABD}" type="presParOf" srcId="{3E1CC490-E863-40F7-8B13-D1EE29F1A339}" destId="{00A2B031-A179-47A4-B179-414C21BEF9C4}" srcOrd="2" destOrd="0" presId="urn:microsoft.com/office/officeart/2005/8/layout/cycle1"/>
+    <dgm:cxn modelId="{2AE45909-65CB-4AD0-9369-00D0FF1B8015}" type="presParOf" srcId="{3E1CC490-E863-40F7-8B13-D1EE29F1A339}" destId="{78DF9603-32D2-4A1D-9B3D-8BA7DB439879}" srcOrd="3" destOrd="0" presId="urn:microsoft.com/office/officeart/2005/8/layout/cycle1"/>
+    <dgm:cxn modelId="{A0C82146-5C3C-47E6-A612-67939FDFE238}" type="presParOf" srcId="{3E1CC490-E863-40F7-8B13-D1EE29F1A339}" destId="{CE18C366-4AAD-46E9-847A-06BBB630810C}" srcOrd="4" destOrd="0" presId="urn:microsoft.com/office/officeart/2005/8/layout/cycle1"/>
+    <dgm:cxn modelId="{3897A84A-75E0-4A27-97BD-5512FEC95190}" type="presParOf" srcId="{3E1CC490-E863-40F7-8B13-D1EE29F1A339}" destId="{CC9AD01D-E813-4AD6-A78C-C2878940A823}" srcOrd="5" destOrd="0" presId="urn:microsoft.com/office/officeart/2005/8/layout/cycle1"/>
+    <dgm:cxn modelId="{D6D921A0-34F3-4D5C-B3AC-D95A793A3C32}" type="presParOf" srcId="{3E1CC490-E863-40F7-8B13-D1EE29F1A339}" destId="{CB03050E-227F-4CC5-95C5-E489481E6C93}" srcOrd="6" destOrd="0" presId="urn:microsoft.com/office/officeart/2005/8/layout/cycle1"/>
+    <dgm:cxn modelId="{BEFE2B36-ACB3-455F-BB52-12CAD45AD5BB}" type="presParOf" srcId="{3E1CC490-E863-40F7-8B13-D1EE29F1A339}" destId="{99BEBED1-B64A-4BD0-82C2-5836438DB5B4}" srcOrd="7" destOrd="0" presId="urn:microsoft.com/office/officeart/2005/8/layout/cycle1"/>
+    <dgm:cxn modelId="{07DC6EFD-64CD-43BD-A45F-4B0AD78E04BC}" type="presParOf" srcId="{3E1CC490-E863-40F7-8B13-D1EE29F1A339}" destId="{6CFF9E5C-02B8-4977-8BF8-02CDC05342B2}" srcOrd="8" destOrd="0" presId="urn:microsoft.com/office/officeart/2005/8/layout/cycle1"/>
+    <dgm:cxn modelId="{C6A65EDB-2B95-496E-AC49-CF85BC037EEB}" type="presParOf" srcId="{3E1CC490-E863-40F7-8B13-D1EE29F1A339}" destId="{08CFCED9-8426-4D85-B18C-F4127043F458}" srcOrd="9" destOrd="0" presId="urn:microsoft.com/office/officeart/2005/8/layout/cycle1"/>
+    <dgm:cxn modelId="{B7A5BA67-18A3-4D19-9F16-68203D572E6C}" type="presParOf" srcId="{3E1CC490-E863-40F7-8B13-D1EE29F1A339}" destId="{BAEEC2A4-8A35-42C4-9643-D61BEBE356E1}" srcOrd="10" destOrd="0" presId="urn:microsoft.com/office/officeart/2005/8/layout/cycle1"/>
+    <dgm:cxn modelId="{82E179A7-7297-4FCB-BC80-72A1E39238CE}" type="presParOf" srcId="{3E1CC490-E863-40F7-8B13-D1EE29F1A339}" destId="{4AA8C60A-F0CE-4973-9365-2E48EAE590CB}" srcOrd="11" destOrd="0" presId="urn:microsoft.com/office/officeart/2005/8/layout/cycle1"/>
+    <dgm:cxn modelId="{D1C053C8-5607-41D0-A262-C8A7154B757E}" type="presParOf" srcId="{3E1CC490-E863-40F7-8B13-D1EE29F1A339}" destId="{FF0B6C82-4692-4B45-8EAC-186808E5579C}" srcOrd="12" destOrd="0" presId="urn:microsoft.com/office/officeart/2005/8/layout/cycle1"/>
+    <dgm:cxn modelId="{B6900201-D2B2-4197-BFDA-9E6AA92598A2}" type="presParOf" srcId="{3E1CC490-E863-40F7-8B13-D1EE29F1A339}" destId="{84E3D954-162B-4368-87AB-7DD447ACAC9B}" srcOrd="13" destOrd="0" presId="urn:microsoft.com/office/officeart/2005/8/layout/cycle1"/>
+    <dgm:cxn modelId="{EF093F62-6FAC-49D1-AB36-634C43602CAD}" type="presParOf" srcId="{3E1CC490-E863-40F7-8B13-D1EE29F1A339}" destId="{A93B9B2C-C037-45E5-BFCA-0EF8989998BE}" srcOrd="14" destOrd="0" presId="urn:microsoft.com/office/officeart/2005/8/layout/cycle1"/>
+  </dgm:cxnLst>
+  <dgm:bg/>
+  <dgm:whole/>
+  <dgm:extLst>
+    <a:ext uri="http://schemas.microsoft.com/office/drawing/2008/diagram">
+      <dsp:dataModelExt xmlns:dsp="http://schemas.microsoft.com/office/drawing/2008/diagram" relId="rId6" minVer="http://schemas.openxmlformats.org/drawingml/2006/diagram"/>
+    </a:ext>
+  </dgm:extLst>
+</dgm:dataModel>
+</file>
+
+<file path=ppt/diagrams/data3.xml><?xml version="1.0" encoding="utf-8"?>
 <dgm:dataModel xmlns:dgm="http://schemas.openxmlformats.org/drawingml/2006/diagram" xmlns:a="http://schemas.openxmlformats.org/drawingml/2006/main">
   <dgm:ptLst>
     <dgm:pt modelId="{3FF3BACF-16FB-4B79-8AB4-E24C7911A87C}" type="doc">
@@ -3853,6 +4832,662 @@
           <a:avLst>
             <a:gd name="adj1" fmla="val 5202"/>
             <a:gd name="adj2" fmla="val 336015"/>
+            <a:gd name="adj3" fmla="val 8560975"/>
+            <a:gd name="adj4" fmla="val 6449719"/>
+            <a:gd name="adj5" fmla="val 6068"/>
+          </a:avLst>
+        </a:prstGeom>
+        <a:solidFill>
+          <a:schemeClr val="accent1">
+            <a:hueOff val="0"/>
+            <a:satOff val="0"/>
+            <a:lumOff val="0"/>
+            <a:alphaOff val="0"/>
+          </a:schemeClr>
+        </a:solidFill>
+        <a:ln w="19050" cap="flat" cmpd="sng" algn="ctr">
+          <a:solidFill>
+            <a:schemeClr val="lt1">
+              <a:hueOff val="0"/>
+              <a:satOff val="0"/>
+              <a:lumOff val="0"/>
+              <a:alphaOff val="0"/>
+            </a:schemeClr>
+          </a:solidFill>
+          <a:prstDash val="solid"/>
+          <a:miter lim="800000"/>
+        </a:ln>
+        <a:effectLst/>
+      </dsp:spPr>
+      <dsp:style>
+        <a:lnRef idx="2">
+          <a:scrgbClr r="0" g="0" b="0"/>
+        </a:lnRef>
+        <a:fillRef idx="1">
+          <a:scrgbClr r="0" g="0" b="0"/>
+        </a:fillRef>
+        <a:effectRef idx="0">
+          <a:scrgbClr r="0" g="0" b="0"/>
+        </a:effectRef>
+        <a:fontRef idx="minor">
+          <a:schemeClr val="lt1"/>
+        </a:fontRef>
+      </dsp:style>
+    </dsp:sp>
+    <dsp:sp modelId="{BAEEC2A4-8A35-42C4-9643-D61BEBE356E1}">
+      <dsp:nvSpPr>
+        <dsp:cNvPr id="0" name=""/>
+        <dsp:cNvSpPr/>
+      </dsp:nvSpPr>
+      <dsp:spPr>
+        <a:xfrm>
+          <a:off x="1271416" y="2720779"/>
+          <a:ext cx="1341437" cy="966961"/>
+        </a:xfrm>
+        <a:prstGeom prst="rect">
+          <a:avLst/>
+        </a:prstGeom>
+        <a:noFill/>
+        <a:ln>
+          <a:noFill/>
+        </a:ln>
+        <a:effectLst/>
+      </dsp:spPr>
+      <dsp:style>
+        <a:lnRef idx="0">
+          <a:scrgbClr r="0" g="0" b="0"/>
+        </a:lnRef>
+        <a:fillRef idx="0">
+          <a:scrgbClr r="0" g="0" b="0"/>
+        </a:fillRef>
+        <a:effectRef idx="0">
+          <a:scrgbClr r="0" g="0" b="0"/>
+        </a:effectRef>
+        <a:fontRef idx="minor"/>
+      </dsp:style>
+      <dsp:txBody>
+        <a:bodyPr spcFirstLastPara="0" vert="horz" wrap="square" lIns="17780" tIns="17780" rIns="17780" bIns="17780" numCol="1" spcCol="1270" anchor="ctr" anchorCtr="0">
+          <a:noAutofit/>
+        </a:bodyPr>
+        <a:lstStyle/>
+        <a:p>
+          <a:pPr marL="0" lvl="0" indent="0" algn="ctr" defTabSz="622300">
+            <a:lnSpc>
+              <a:spcPct val="90000"/>
+            </a:lnSpc>
+            <a:spcBef>
+              <a:spcPct val="0"/>
+            </a:spcBef>
+            <a:spcAft>
+              <a:spcPct val="35000"/>
+            </a:spcAft>
+            <a:buNone/>
+          </a:pPr>
+          <a:r>
+            <a:rPr lang="da-DK" sz="1400" kern="1200" dirty="0" err="1"/>
+            <a:t>Sectoral</a:t>
+          </a:r>
+          <a:r>
+            <a:rPr lang="da-DK" sz="1400" kern="1200" dirty="0"/>
+            <a:t> green H</a:t>
+          </a:r>
+          <a:r>
+            <a:rPr lang="da-DK" sz="1400" kern="1200" baseline="-25000" dirty="0"/>
+            <a:t>2</a:t>
+          </a:r>
+          <a:r>
+            <a:rPr lang="da-DK" sz="1400" kern="1200" dirty="0"/>
+            <a:t> </a:t>
+          </a:r>
+          <a:r>
+            <a:rPr lang="da-DK" sz="1400" kern="1200" dirty="0" err="1"/>
+            <a:t>demands</a:t>
+          </a:r>
+          <a:endParaRPr lang="da-DK" sz="1400" kern="1200" dirty="0"/>
+        </a:p>
+      </dsp:txBody>
+      <dsp:txXfrm>
+        <a:off x="1271416" y="2720779"/>
+        <a:ext cx="1341437" cy="966961"/>
+      </dsp:txXfrm>
+    </dsp:sp>
+    <dsp:sp modelId="{4AA8C60A-F0CE-4973-9365-2E48EAE590CB}">
+      <dsp:nvSpPr>
+        <dsp:cNvPr id="0" name=""/>
+        <dsp:cNvSpPr/>
+      </dsp:nvSpPr>
+      <dsp:spPr>
+        <a:xfrm>
+          <a:off x="1549560" y="385"/>
+          <a:ext cx="5028878" cy="5028878"/>
+        </a:xfrm>
+        <a:prstGeom prst="circularArrow">
+          <a:avLst>
+            <a:gd name="adj1" fmla="val 5202"/>
+            <a:gd name="adj2" fmla="val 336015"/>
+            <a:gd name="adj3" fmla="val 12297380"/>
+            <a:gd name="adj4" fmla="val 10482201"/>
+            <a:gd name="adj5" fmla="val 6068"/>
+          </a:avLst>
+        </a:prstGeom>
+        <a:solidFill>
+          <a:schemeClr val="accent1">
+            <a:hueOff val="0"/>
+            <a:satOff val="0"/>
+            <a:lumOff val="0"/>
+            <a:alphaOff val="0"/>
+          </a:schemeClr>
+        </a:solidFill>
+        <a:ln w="19050" cap="flat" cmpd="sng" algn="ctr">
+          <a:solidFill>
+            <a:schemeClr val="lt1">
+              <a:hueOff val="0"/>
+              <a:satOff val="0"/>
+              <a:lumOff val="0"/>
+              <a:alphaOff val="0"/>
+            </a:schemeClr>
+          </a:solidFill>
+          <a:prstDash val="solid"/>
+          <a:miter lim="800000"/>
+        </a:ln>
+        <a:effectLst/>
+      </dsp:spPr>
+      <dsp:style>
+        <a:lnRef idx="2">
+          <a:scrgbClr r="0" g="0" b="0"/>
+        </a:lnRef>
+        <a:fillRef idx="1">
+          <a:scrgbClr r="0" g="0" b="0"/>
+        </a:fillRef>
+        <a:effectRef idx="0">
+          <a:scrgbClr r="0" g="0" b="0"/>
+        </a:effectRef>
+        <a:fontRef idx="minor">
+          <a:schemeClr val="lt1"/>
+        </a:fontRef>
+      </dsp:style>
+    </dsp:sp>
+    <dsp:sp modelId="{84E3D954-162B-4368-87AB-7DD447ACAC9B}">
+      <dsp:nvSpPr>
+        <dsp:cNvPr id="0" name=""/>
+        <dsp:cNvSpPr/>
+      </dsp:nvSpPr>
+      <dsp:spPr>
+        <a:xfrm>
+          <a:off x="2081896" y="39140"/>
+          <a:ext cx="1341437" cy="1341437"/>
+        </a:xfrm>
+        <a:prstGeom prst="rect">
+          <a:avLst/>
+        </a:prstGeom>
+        <a:noFill/>
+        <a:ln>
+          <a:noFill/>
+        </a:ln>
+        <a:effectLst/>
+      </dsp:spPr>
+      <dsp:style>
+        <a:lnRef idx="0">
+          <a:scrgbClr r="0" g="0" b="0"/>
+        </a:lnRef>
+        <a:fillRef idx="0">
+          <a:scrgbClr r="0" g="0" b="0"/>
+        </a:fillRef>
+        <a:effectRef idx="0">
+          <a:scrgbClr r="0" g="0" b="0"/>
+        </a:effectRef>
+        <a:fontRef idx="minor"/>
+      </dsp:style>
+      <dsp:txBody>
+        <a:bodyPr spcFirstLastPara="0" vert="horz" wrap="square" lIns="17780" tIns="17780" rIns="17780" bIns="17780" numCol="1" spcCol="1270" anchor="ctr" anchorCtr="0">
+          <a:noAutofit/>
+        </a:bodyPr>
+        <a:lstStyle/>
+        <a:p>
+          <a:pPr marL="0" lvl="0" indent="0" algn="ctr" defTabSz="622300">
+            <a:lnSpc>
+              <a:spcPct val="90000"/>
+            </a:lnSpc>
+            <a:spcBef>
+              <a:spcPct val="0"/>
+            </a:spcBef>
+            <a:spcAft>
+              <a:spcPct val="35000"/>
+            </a:spcAft>
+            <a:buNone/>
+          </a:pPr>
+          <a:r>
+            <a:rPr lang="da-DK" sz="1400" kern="1200" dirty="0"/>
+            <a:t>Total green H</a:t>
+          </a:r>
+          <a:r>
+            <a:rPr lang="da-DK" sz="1400" kern="1200" baseline="-25000" dirty="0"/>
+            <a:t>2</a:t>
+          </a:r>
+          <a:r>
+            <a:rPr lang="da-DK" sz="1400" kern="1200" dirty="0"/>
+            <a:t> demand</a:t>
+          </a:r>
+        </a:p>
+      </dsp:txBody>
+      <dsp:txXfrm>
+        <a:off x="2081896" y="39140"/>
+        <a:ext cx="1341437" cy="1341437"/>
+      </dsp:txXfrm>
+    </dsp:sp>
+    <dsp:sp modelId="{A93B9B2C-C037-45E5-BFCA-0EF8989998BE}">
+      <dsp:nvSpPr>
+        <dsp:cNvPr id="0" name=""/>
+        <dsp:cNvSpPr/>
+      </dsp:nvSpPr>
+      <dsp:spPr>
+        <a:xfrm>
+          <a:off x="1549560" y="385"/>
+          <a:ext cx="5028878" cy="5028878"/>
+        </a:xfrm>
+        <a:prstGeom prst="circularArrow">
+          <a:avLst>
+            <a:gd name="adj1" fmla="val 5202"/>
+            <a:gd name="adj2" fmla="val 336015"/>
+            <a:gd name="adj3" fmla="val 16865256"/>
+            <a:gd name="adj4" fmla="val 15198729"/>
+            <a:gd name="adj5" fmla="val 6068"/>
+          </a:avLst>
+        </a:prstGeom>
+        <a:solidFill>
+          <a:schemeClr val="accent1">
+            <a:hueOff val="0"/>
+            <a:satOff val="0"/>
+            <a:lumOff val="0"/>
+            <a:alphaOff val="0"/>
+          </a:schemeClr>
+        </a:solidFill>
+        <a:ln w="19050" cap="flat" cmpd="sng" algn="ctr">
+          <a:solidFill>
+            <a:schemeClr val="lt1">
+              <a:hueOff val="0"/>
+              <a:satOff val="0"/>
+              <a:lumOff val="0"/>
+              <a:alphaOff val="0"/>
+            </a:schemeClr>
+          </a:solidFill>
+          <a:prstDash val="solid"/>
+          <a:miter lim="800000"/>
+        </a:ln>
+        <a:effectLst/>
+      </dsp:spPr>
+      <dsp:style>
+        <a:lnRef idx="2">
+          <a:scrgbClr r="0" g="0" b="0"/>
+        </a:lnRef>
+        <a:fillRef idx="1">
+          <a:scrgbClr r="0" g="0" b="0"/>
+        </a:fillRef>
+        <a:effectRef idx="0">
+          <a:scrgbClr r="0" g="0" b="0"/>
+        </a:effectRef>
+        <a:fontRef idx="minor">
+          <a:schemeClr val="lt1"/>
+        </a:fontRef>
+      </dsp:style>
+    </dsp:sp>
+  </dsp:spTree>
+</dsp:drawing>
+</file>
+
+<file path=ppt/diagrams/drawing3.xml><?xml version="1.0" encoding="utf-8"?>
+<dsp:drawing xmlns:dgm="http://schemas.openxmlformats.org/drawingml/2006/diagram" xmlns:dsp="http://schemas.microsoft.com/office/drawing/2008/diagram" xmlns:a="http://schemas.openxmlformats.org/drawingml/2006/main">
+  <dsp:spTree>
+    <dsp:nvGrpSpPr>
+      <dsp:cNvPr id="0" name=""/>
+      <dsp:cNvGrpSpPr/>
+    </dsp:nvGrpSpPr>
+    <dsp:grpSpPr/>
+    <dsp:sp modelId="{498B11E1-7374-4F76-B36F-A3DA4FBE94DA}">
+      <dsp:nvSpPr>
+        <dsp:cNvPr id="0" name=""/>
+        <dsp:cNvSpPr/>
+      </dsp:nvSpPr>
+      <dsp:spPr>
+        <a:xfrm>
+          <a:off x="4704665" y="39140"/>
+          <a:ext cx="1341437" cy="1341437"/>
+        </a:xfrm>
+        <a:prstGeom prst="rect">
+          <a:avLst/>
+        </a:prstGeom>
+        <a:noFill/>
+        <a:ln>
+          <a:noFill/>
+        </a:ln>
+        <a:effectLst/>
+      </dsp:spPr>
+      <dsp:style>
+        <a:lnRef idx="0">
+          <a:scrgbClr r="0" g="0" b="0"/>
+        </a:lnRef>
+        <a:fillRef idx="0">
+          <a:scrgbClr r="0" g="0" b="0"/>
+        </a:fillRef>
+        <a:effectRef idx="0">
+          <a:scrgbClr r="0" g="0" b="0"/>
+        </a:effectRef>
+        <a:fontRef idx="minor"/>
+      </dsp:style>
+      <dsp:txBody>
+        <a:bodyPr spcFirstLastPara="0" vert="horz" wrap="square" lIns="17780" tIns="17780" rIns="17780" bIns="17780" numCol="1" spcCol="1270" anchor="ctr" anchorCtr="0">
+          <a:noAutofit/>
+        </a:bodyPr>
+        <a:lstStyle/>
+        <a:p>
+          <a:pPr marL="0" lvl="0" indent="0" algn="ctr" defTabSz="622300">
+            <a:lnSpc>
+              <a:spcPct val="90000"/>
+            </a:lnSpc>
+            <a:spcBef>
+              <a:spcPct val="0"/>
+            </a:spcBef>
+            <a:spcAft>
+              <a:spcPct val="35000"/>
+            </a:spcAft>
+            <a:buNone/>
+          </a:pPr>
+          <a:r>
+            <a:rPr lang="da-DK" sz="1400" kern="1200" dirty="0"/>
+            <a:t>Green H</a:t>
+          </a:r>
+          <a:r>
+            <a:rPr lang="da-DK" sz="1400" kern="1200" baseline="-25000" dirty="0"/>
+            <a:t>2</a:t>
+          </a:r>
+          <a:r>
+            <a:rPr lang="da-DK" sz="1400" kern="1200" dirty="0"/>
+            <a:t> </a:t>
+          </a:r>
+          <a:r>
+            <a:rPr lang="da-DK" sz="1400" kern="1200" dirty="0" err="1"/>
+            <a:t>cost</a:t>
+          </a:r>
+          <a:endParaRPr lang="da-DK" sz="1400" kern="1200" dirty="0"/>
+        </a:p>
+      </dsp:txBody>
+      <dsp:txXfrm>
+        <a:off x="4704665" y="39140"/>
+        <a:ext cx="1341437" cy="1341437"/>
+      </dsp:txXfrm>
+    </dsp:sp>
+    <dsp:sp modelId="{00A2B031-A179-47A4-B179-414C21BEF9C4}">
+      <dsp:nvSpPr>
+        <dsp:cNvPr id="0" name=""/>
+        <dsp:cNvSpPr/>
+      </dsp:nvSpPr>
+      <dsp:spPr>
+        <a:xfrm>
+          <a:off x="1549560" y="385"/>
+          <a:ext cx="5028878" cy="5028878"/>
+        </a:xfrm>
+        <a:prstGeom prst="circularArrow">
+          <a:avLst>
+            <a:gd name="adj1" fmla="val 5202"/>
+            <a:gd name="adj2" fmla="val 336015"/>
+            <a:gd name="adj3" fmla="val 21292825"/>
+            <a:gd name="adj4" fmla="val 19766604"/>
+            <a:gd name="adj5" fmla="val 6068"/>
+          </a:avLst>
+        </a:prstGeom>
+        <a:solidFill>
+          <a:schemeClr val="accent1">
+            <a:hueOff val="0"/>
+            <a:satOff val="0"/>
+            <a:lumOff val="0"/>
+            <a:alphaOff val="0"/>
+          </a:schemeClr>
+        </a:solidFill>
+        <a:ln w="19050" cap="flat" cmpd="sng" algn="ctr">
+          <a:solidFill>
+            <a:schemeClr val="lt1">
+              <a:hueOff val="0"/>
+              <a:satOff val="0"/>
+              <a:lumOff val="0"/>
+              <a:alphaOff val="0"/>
+            </a:schemeClr>
+          </a:solidFill>
+          <a:prstDash val="solid"/>
+          <a:miter lim="800000"/>
+        </a:ln>
+        <a:effectLst/>
+      </dsp:spPr>
+      <dsp:style>
+        <a:lnRef idx="2">
+          <a:scrgbClr r="0" g="0" b="0"/>
+        </a:lnRef>
+        <a:fillRef idx="1">
+          <a:scrgbClr r="0" g="0" b="0"/>
+        </a:fillRef>
+        <a:effectRef idx="0">
+          <a:scrgbClr r="0" g="0" b="0"/>
+        </a:effectRef>
+        <a:fontRef idx="minor">
+          <a:schemeClr val="lt1"/>
+        </a:fontRef>
+      </dsp:style>
+    </dsp:sp>
+    <dsp:sp modelId="{CE18C366-4AAD-46E9-847A-06BBB630810C}">
+      <dsp:nvSpPr>
+        <dsp:cNvPr id="0" name=""/>
+        <dsp:cNvSpPr/>
+      </dsp:nvSpPr>
+      <dsp:spPr>
+        <a:xfrm>
+          <a:off x="5515145" y="2533541"/>
+          <a:ext cx="1341437" cy="1341437"/>
+        </a:xfrm>
+        <a:prstGeom prst="rect">
+          <a:avLst/>
+        </a:prstGeom>
+        <a:noFill/>
+        <a:ln>
+          <a:noFill/>
+        </a:ln>
+        <a:effectLst/>
+      </dsp:spPr>
+      <dsp:style>
+        <a:lnRef idx="0">
+          <a:scrgbClr r="0" g="0" b="0"/>
+        </a:lnRef>
+        <a:fillRef idx="0">
+          <a:scrgbClr r="0" g="0" b="0"/>
+        </a:fillRef>
+        <a:effectRef idx="0">
+          <a:scrgbClr r="0" g="0" b="0"/>
+        </a:effectRef>
+        <a:fontRef idx="minor"/>
+      </dsp:style>
+      <dsp:txBody>
+        <a:bodyPr spcFirstLastPara="0" vert="horz" wrap="square" lIns="17780" tIns="17780" rIns="17780" bIns="17780" numCol="1" spcCol="1270" anchor="ctr" anchorCtr="0">
+          <a:noAutofit/>
+        </a:bodyPr>
+        <a:lstStyle/>
+        <a:p>
+          <a:pPr marL="0" lvl="0" indent="0" algn="ctr" defTabSz="622300">
+            <a:lnSpc>
+              <a:spcPct val="90000"/>
+            </a:lnSpc>
+            <a:spcBef>
+              <a:spcPct val="0"/>
+            </a:spcBef>
+            <a:spcAft>
+              <a:spcPct val="35000"/>
+            </a:spcAft>
+            <a:buNone/>
+          </a:pPr>
+          <a:r>
+            <a:rPr lang="en-US" sz="1400" kern="1200" dirty="0"/>
+            <a:t>Sectoral </a:t>
+          </a:r>
+          <a:r>
+            <a:rPr lang="da-DK" sz="1400" kern="1200" dirty="0"/>
+            <a:t>H</a:t>
+          </a:r>
+          <a:r>
+            <a:rPr lang="da-DK" sz="1400" kern="1200" baseline="-25000" dirty="0"/>
+            <a:t>2</a:t>
+          </a:r>
+          <a:r>
+            <a:rPr lang="en-US" sz="1400" kern="1200" dirty="0"/>
+            <a:t> competitiveness</a:t>
+          </a:r>
+          <a:endParaRPr lang="da-DK" sz="1400" kern="1200" dirty="0"/>
+        </a:p>
+      </dsp:txBody>
+      <dsp:txXfrm>
+        <a:off x="5515145" y="2533541"/>
+        <a:ext cx="1341437" cy="1341437"/>
+      </dsp:txXfrm>
+    </dsp:sp>
+    <dsp:sp modelId="{CC9AD01D-E813-4AD6-A78C-C2878940A823}">
+      <dsp:nvSpPr>
+        <dsp:cNvPr id="0" name=""/>
+        <dsp:cNvSpPr/>
+      </dsp:nvSpPr>
+      <dsp:spPr>
+        <a:xfrm>
+          <a:off x="1549560" y="385"/>
+          <a:ext cx="5028878" cy="5028878"/>
+        </a:xfrm>
+        <a:prstGeom prst="circularArrow">
+          <a:avLst>
+            <a:gd name="adj1" fmla="val 5202"/>
+            <a:gd name="adj2" fmla="val 336015"/>
+            <a:gd name="adj3" fmla="val 4014266"/>
+            <a:gd name="adj4" fmla="val 2253829"/>
+            <a:gd name="adj5" fmla="val 6068"/>
+          </a:avLst>
+        </a:prstGeom>
+        <a:solidFill>
+          <a:schemeClr val="accent1">
+            <a:hueOff val="0"/>
+            <a:satOff val="0"/>
+            <a:lumOff val="0"/>
+            <a:alphaOff val="0"/>
+          </a:schemeClr>
+        </a:solidFill>
+        <a:ln w="19050" cap="flat" cmpd="sng" algn="ctr">
+          <a:solidFill>
+            <a:schemeClr val="lt1">
+              <a:hueOff val="0"/>
+              <a:satOff val="0"/>
+              <a:lumOff val="0"/>
+              <a:alphaOff val="0"/>
+            </a:schemeClr>
+          </a:solidFill>
+          <a:prstDash val="solid"/>
+          <a:miter lim="800000"/>
+        </a:ln>
+        <a:effectLst/>
+      </dsp:spPr>
+      <dsp:style>
+        <a:lnRef idx="2">
+          <a:scrgbClr r="0" g="0" b="0"/>
+        </a:lnRef>
+        <a:fillRef idx="1">
+          <a:scrgbClr r="0" g="0" b="0"/>
+        </a:fillRef>
+        <a:effectRef idx="0">
+          <a:scrgbClr r="0" g="0" b="0"/>
+        </a:effectRef>
+        <a:fontRef idx="minor">
+          <a:schemeClr val="lt1"/>
+        </a:fontRef>
+      </dsp:style>
+    </dsp:sp>
+    <dsp:sp modelId="{99BEBED1-B64A-4BD0-82C2-5836438DB5B4}">
+      <dsp:nvSpPr>
+        <dsp:cNvPr id="0" name=""/>
+        <dsp:cNvSpPr/>
+      </dsp:nvSpPr>
+      <dsp:spPr>
+        <a:xfrm>
+          <a:off x="3393281" y="4075166"/>
+          <a:ext cx="1341437" cy="1341437"/>
+        </a:xfrm>
+        <a:prstGeom prst="rect">
+          <a:avLst/>
+        </a:prstGeom>
+        <a:noFill/>
+        <a:ln>
+          <a:noFill/>
+        </a:ln>
+        <a:effectLst/>
+      </dsp:spPr>
+      <dsp:style>
+        <a:lnRef idx="0">
+          <a:scrgbClr r="0" g="0" b="0"/>
+        </a:lnRef>
+        <a:fillRef idx="0">
+          <a:scrgbClr r="0" g="0" b="0"/>
+        </a:fillRef>
+        <a:effectRef idx="0">
+          <a:scrgbClr r="0" g="0" b="0"/>
+        </a:effectRef>
+        <a:fontRef idx="minor"/>
+      </dsp:style>
+      <dsp:txBody>
+        <a:bodyPr spcFirstLastPara="0" vert="horz" wrap="square" lIns="17780" tIns="17780" rIns="17780" bIns="17780" numCol="1" spcCol="1270" anchor="ctr" anchorCtr="0">
+          <a:noAutofit/>
+        </a:bodyPr>
+        <a:lstStyle/>
+        <a:p>
+          <a:pPr marL="0" lvl="0" indent="0" algn="ctr" defTabSz="622300">
+            <a:lnSpc>
+              <a:spcPct val="90000"/>
+            </a:lnSpc>
+            <a:spcBef>
+              <a:spcPct val="0"/>
+            </a:spcBef>
+            <a:spcAft>
+              <a:spcPct val="35000"/>
+            </a:spcAft>
+            <a:buNone/>
+          </a:pPr>
+          <a:r>
+            <a:rPr lang="en-US" sz="1400" kern="1200" dirty="0"/>
+            <a:t>Sectoral </a:t>
+          </a:r>
+          <a:r>
+            <a:rPr lang="da-DK" sz="1400" kern="1200" dirty="0"/>
+            <a:t>H</a:t>
+          </a:r>
+          <a:r>
+            <a:rPr lang="da-DK" sz="1400" kern="1200" baseline="-25000" dirty="0"/>
+            <a:t>2</a:t>
+          </a:r>
+          <a:r>
+            <a:rPr lang="en-US" sz="1400" kern="1200" dirty="0"/>
+            <a:t> technology investments</a:t>
+          </a:r>
+          <a:endParaRPr lang="da-DK" sz="1400" kern="1200" dirty="0"/>
+        </a:p>
+      </dsp:txBody>
+      <dsp:txXfrm>
+        <a:off x="3393281" y="4075166"/>
+        <a:ext cx="1341437" cy="1341437"/>
+      </dsp:txXfrm>
+    </dsp:sp>
+    <dsp:sp modelId="{6CFF9E5C-02B8-4977-8BF8-02CDC05342B2}">
+      <dsp:nvSpPr>
+        <dsp:cNvPr id="0" name=""/>
+        <dsp:cNvSpPr/>
+      </dsp:nvSpPr>
+      <dsp:spPr>
+        <a:xfrm>
+          <a:off x="1549560" y="385"/>
+          <a:ext cx="5028878" cy="5028878"/>
+        </a:xfrm>
+        <a:prstGeom prst="circularArrow">
+          <a:avLst>
+            <a:gd name="adj1" fmla="val 5202"/>
+            <a:gd name="adj2" fmla="val 336015"/>
             <a:gd name="adj3" fmla="val 8210155"/>
             <a:gd name="adj4" fmla="val 6449719"/>
             <a:gd name="adj5" fmla="val 6068"/>
@@ -4552,6 +6187,204 @@
 </dgm:layoutDef>
 </file>
 
+<file path=ppt/diagrams/layout3.xml><?xml version="1.0" encoding="utf-8"?>
+<dgm:layoutDef xmlns:dgm="http://schemas.openxmlformats.org/drawingml/2006/diagram" xmlns:a="http://schemas.openxmlformats.org/drawingml/2006/main" uniqueId="urn:microsoft.com/office/officeart/2005/8/layout/cycle1">
+  <dgm:title val=""/>
+  <dgm:desc val=""/>
+  <dgm:catLst>
+    <dgm:cat type="cycle" pri="2000"/>
+  </dgm:catLst>
+  <dgm:sampData>
+    <dgm:dataModel>
+      <dgm:ptLst>
+        <dgm:pt modelId="0" type="doc"/>
+        <dgm:pt modelId="1">
+          <dgm:prSet phldr="1"/>
+        </dgm:pt>
+        <dgm:pt modelId="2">
+          <dgm:prSet phldr="1"/>
+        </dgm:pt>
+        <dgm:pt modelId="3">
+          <dgm:prSet phldr="1"/>
+        </dgm:pt>
+        <dgm:pt modelId="4">
+          <dgm:prSet phldr="1"/>
+        </dgm:pt>
+        <dgm:pt modelId="5">
+          <dgm:prSet phldr="1"/>
+        </dgm:pt>
+      </dgm:ptLst>
+      <dgm:cxnLst>
+        <dgm:cxn modelId="6" srcId="0" destId="1" srcOrd="0" destOrd="0"/>
+        <dgm:cxn modelId="7" srcId="0" destId="2" srcOrd="1" destOrd="0"/>
+        <dgm:cxn modelId="8" srcId="0" destId="3" srcOrd="2" destOrd="0"/>
+        <dgm:cxn modelId="9" srcId="0" destId="4" srcOrd="3" destOrd="0"/>
+        <dgm:cxn modelId="10" srcId="0" destId="5" srcOrd="4" destOrd="0"/>
+      </dgm:cxnLst>
+      <dgm:bg/>
+      <dgm:whole/>
+    </dgm:dataModel>
+  </dgm:sampData>
+  <dgm:styleData>
+    <dgm:dataModel>
+      <dgm:ptLst>
+        <dgm:pt modelId="0" type="doc"/>
+        <dgm:pt modelId="1"/>
+        <dgm:pt modelId="2"/>
+        <dgm:pt modelId="3"/>
+      </dgm:ptLst>
+      <dgm:cxnLst>
+        <dgm:cxn modelId="4" srcId="0" destId="1" srcOrd="0" destOrd="0"/>
+        <dgm:cxn modelId="5" srcId="0" destId="2" srcOrd="1" destOrd="0"/>
+        <dgm:cxn modelId="6" srcId="0" destId="3" srcOrd="2" destOrd="0"/>
+      </dgm:cxnLst>
+      <dgm:bg/>
+      <dgm:whole/>
+    </dgm:dataModel>
+  </dgm:styleData>
+  <dgm:clrData>
+    <dgm:dataModel>
+      <dgm:ptLst>
+        <dgm:pt modelId="0" type="doc"/>
+        <dgm:pt modelId="1"/>
+        <dgm:pt modelId="2"/>
+        <dgm:pt modelId="3"/>
+        <dgm:pt modelId="4"/>
+        <dgm:pt modelId="5"/>
+        <dgm:pt modelId="6"/>
+      </dgm:ptLst>
+      <dgm:cxnLst>
+        <dgm:cxn modelId="7" srcId="0" destId="1" srcOrd="0" destOrd="0"/>
+        <dgm:cxn modelId="8" srcId="0" destId="2" srcOrd="1" destOrd="0"/>
+        <dgm:cxn modelId="9" srcId="0" destId="3" srcOrd="2" destOrd="0"/>
+        <dgm:cxn modelId="10" srcId="0" destId="4" srcOrd="3" destOrd="0"/>
+        <dgm:cxn modelId="11" srcId="0" destId="5" srcOrd="4" destOrd="0"/>
+        <dgm:cxn modelId="12" srcId="0" destId="6" srcOrd="5" destOrd="0"/>
+      </dgm:cxnLst>
+      <dgm:bg/>
+      <dgm:whole/>
+    </dgm:dataModel>
+  </dgm:clrData>
+  <dgm:layoutNode name="cycle">
+    <dgm:varLst>
+      <dgm:dir/>
+      <dgm:resizeHandles val="exact"/>
+    </dgm:varLst>
+    <dgm:choose name="Name0">
+      <dgm:if name="Name1" func="var" arg="dir" op="equ" val="norm">
+        <dgm:alg type="cycle">
+          <dgm:param type="stAng" val="0"/>
+          <dgm:param type="spanAng" val="360"/>
+        </dgm:alg>
+      </dgm:if>
+      <dgm:else name="Name2">
+        <dgm:alg type="cycle">
+          <dgm:param type="stAng" val="0"/>
+          <dgm:param type="spanAng" val="-360"/>
+        </dgm:alg>
+      </dgm:else>
+    </dgm:choose>
+    <dgm:shape xmlns:r="http://schemas.openxmlformats.org/officeDocument/2006/relationships" r:blip="">
+      <dgm:adjLst/>
+    </dgm:shape>
+    <dgm:presOf/>
+    <dgm:choose name="Name3">
+      <dgm:if name="Name4" func="var" arg="dir" op="equ" val="norm">
+        <dgm:constrLst>
+          <dgm:constr type="diam" val="1"/>
+          <dgm:constr type="w" for="ch" forName="node" refType="w"/>
+          <dgm:constr type="w" for="ch" ptType="sibTrans" refType="w" refFor="ch" refForName="node" fact="0.5"/>
+          <dgm:constr type="h" for="ch" ptType="sibTrans" op="equ"/>
+          <dgm:constr type="diam" for="ch" ptType="sibTrans" refType="diam" op="equ"/>
+          <dgm:constr type="sibSp" refType="w" refFor="ch" refForName="node" fact="0.15"/>
+          <dgm:constr type="w" for="ch" forName="dummy" refType="sibSp" fact="2.8"/>
+          <dgm:constr type="primFontSz" for="ch" forName="node" op="equ" val="65"/>
+        </dgm:constrLst>
+      </dgm:if>
+      <dgm:else name="Name5">
+        <dgm:constrLst>
+          <dgm:constr type="diam" val="1"/>
+          <dgm:constr type="w" for="ch" forName="node" refType="w"/>
+          <dgm:constr type="w" for="ch" ptType="sibTrans" refType="w" refFor="ch" refForName="node" fact="0.5"/>
+          <dgm:constr type="h" for="ch" ptType="sibTrans" op="equ"/>
+          <dgm:constr type="diam" for="ch" ptType="sibTrans" refType="diam" op="equ" fact="-1"/>
+          <dgm:constr type="sibSp" refType="w" refFor="ch" refForName="node" fact="0.15"/>
+          <dgm:constr type="w" for="ch" forName="dummy" refType="sibSp" fact="2.8"/>
+          <dgm:constr type="primFontSz" for="ch" forName="node" op="equ" val="65"/>
+        </dgm:constrLst>
+      </dgm:else>
+    </dgm:choose>
+    <dgm:ruleLst>
+      <dgm:rule type="diam" val="INF" fact="NaN" max="NaN"/>
+    </dgm:ruleLst>
+    <dgm:forEach name="nodesForEach" axis="ch" ptType="node">
+      <dgm:choose name="Name6">
+        <dgm:if name="Name7" axis="par ch" ptType="doc node" func="cnt" op="gt" val="1">
+          <dgm:layoutNode name="dummy">
+            <dgm:alg type="sp"/>
+            <dgm:shape xmlns:r="http://schemas.openxmlformats.org/officeDocument/2006/relationships" r:blip="">
+              <dgm:adjLst/>
+            </dgm:shape>
+            <dgm:presOf/>
+            <dgm:constrLst>
+              <dgm:constr type="h" refType="w"/>
+            </dgm:constrLst>
+            <dgm:ruleLst/>
+          </dgm:layoutNode>
+        </dgm:if>
+        <dgm:else name="Name8"/>
+      </dgm:choose>
+      <dgm:layoutNode name="node" styleLbl="revTx">
+        <dgm:varLst>
+          <dgm:bulletEnabled val="1"/>
+        </dgm:varLst>
+        <dgm:alg type="tx">
+          <dgm:param type="txAnchorVertCh" val="mid"/>
+        </dgm:alg>
+        <dgm:shape xmlns:r="http://schemas.openxmlformats.org/officeDocument/2006/relationships" type="rect" r:blip="">
+          <dgm:adjLst/>
+        </dgm:shape>
+        <dgm:presOf axis="desOrSelf" ptType="node"/>
+        <dgm:constrLst>
+          <dgm:constr type="h" refType="w"/>
+          <dgm:constr type="lMarg" refType="primFontSz" fact="0.1"/>
+          <dgm:constr type="rMarg" refType="primFontSz" fact="0.1"/>
+          <dgm:constr type="tMarg" refType="primFontSz" fact="0.1"/>
+          <dgm:constr type="bMarg" refType="primFontSz" fact="0.1"/>
+        </dgm:constrLst>
+        <dgm:ruleLst>
+          <dgm:rule type="primFontSz" val="5" fact="NaN" max="NaN"/>
+        </dgm:ruleLst>
+      </dgm:layoutNode>
+      <dgm:choose name="Name9">
+        <dgm:if name="Name10" axis="par ch" ptType="doc node" func="cnt" op="gt" val="1">
+          <dgm:forEach name="Name11" axis="followSib" ptType="sibTrans" hideLastTrans="0" cnt="1">
+            <dgm:layoutNode name="sibTrans" styleLbl="node1">
+              <dgm:alg type="conn">
+                <dgm:param type="connRout" val="curve"/>
+                <dgm:param type="begPts" val="radial"/>
+                <dgm:param type="endPts" val="radial"/>
+              </dgm:alg>
+              <dgm:shape xmlns:r="http://schemas.openxmlformats.org/officeDocument/2006/relationships" type="conn" r:blip="">
+                <dgm:adjLst/>
+              </dgm:shape>
+              <dgm:presOf axis="self"/>
+              <dgm:constrLst>
+                <dgm:constr type="h" refType="w" fact="0.65"/>
+                <dgm:constr type="begPad"/>
+                <dgm:constr type="endPad"/>
+              </dgm:constrLst>
+              <dgm:ruleLst/>
+            </dgm:layoutNode>
+          </dgm:forEach>
+        </dgm:if>
+        <dgm:else name="Name12"/>
+      </dgm:choose>
+    </dgm:forEach>
+  </dgm:layoutNode>
+</dgm:layoutDef>
+</file>
+
 <file path=ppt/diagrams/quickStyle1.xml><?xml version="1.0" encoding="utf-8"?>
 <dgm:styleDef xmlns:dgm="http://schemas.openxmlformats.org/drawingml/2006/diagram" xmlns:a="http://schemas.openxmlformats.org/drawingml/2006/main" uniqueId="urn:microsoft.com/office/officeart/2005/8/quickstyle/3d1">
   <dgm:title val=""/>
@@ -5670,6 +7503,1040 @@
 </file>
 
 <file path=ppt/diagrams/quickStyle2.xml><?xml version="1.0" encoding="utf-8"?>
+<dgm:styleDef xmlns:dgm="http://schemas.openxmlformats.org/drawingml/2006/diagram" xmlns:a="http://schemas.openxmlformats.org/drawingml/2006/main" uniqueId="urn:microsoft.com/office/officeart/2005/8/quickstyle/simple1">
+  <dgm:title val=""/>
+  <dgm:desc val=""/>
+  <dgm:catLst>
+    <dgm:cat type="simple" pri="10100"/>
+  </dgm:catLst>
+  <dgm:scene3d>
+    <a:camera prst="orthographicFront"/>
+    <a:lightRig rig="threePt" dir="t"/>
+  </dgm:scene3d>
+  <dgm:styleLbl name="node0">
+    <dgm:scene3d>
+      <a:camera prst="orthographicFront"/>
+      <a:lightRig rig="threePt" dir="t"/>
+    </dgm:scene3d>
+    <dgm:sp3d/>
+    <dgm:txPr/>
+    <dgm:style>
+      <a:lnRef idx="2">
+        <a:scrgbClr r="0" g="0" b="0"/>
+      </a:lnRef>
+      <a:fillRef idx="1">
+        <a:scrgbClr r="0" g="0" b="0"/>
+      </a:fillRef>
+      <a:effectRef idx="0">
+        <a:scrgbClr r="0" g="0" b="0"/>
+      </a:effectRef>
+      <a:fontRef idx="minor">
+        <a:schemeClr val="lt1"/>
+      </a:fontRef>
+    </dgm:style>
+  </dgm:styleLbl>
+  <dgm:styleLbl name="lnNode1">
+    <dgm:scene3d>
+      <a:camera prst="orthographicFront"/>
+      <a:lightRig rig="threePt" dir="t"/>
+    </dgm:scene3d>
+    <dgm:sp3d/>
+    <dgm:txPr/>
+    <dgm:style>
+      <a:lnRef idx="2">
+        <a:scrgbClr r="0" g="0" b="0"/>
+      </a:lnRef>
+      <a:fillRef idx="1">
+        <a:scrgbClr r="0" g="0" b="0"/>
+      </a:fillRef>
+      <a:effectRef idx="0">
+        <a:scrgbClr r="0" g="0" b="0"/>
+      </a:effectRef>
+      <a:fontRef idx="minor">
+        <a:schemeClr val="lt1"/>
+      </a:fontRef>
+    </dgm:style>
+  </dgm:styleLbl>
+  <dgm:styleLbl name="vennNode1">
+    <dgm:scene3d>
+      <a:camera prst="orthographicFront"/>
+      <a:lightRig rig="threePt" dir="t"/>
+    </dgm:scene3d>
+    <dgm:sp3d/>
+    <dgm:txPr/>
+    <dgm:style>
+      <a:lnRef idx="2">
+        <a:scrgbClr r="0" g="0" b="0"/>
+      </a:lnRef>
+      <a:fillRef idx="1">
+        <a:scrgbClr r="0" g="0" b="0"/>
+      </a:fillRef>
+      <a:effectRef idx="0">
+        <a:scrgbClr r="0" g="0" b="0"/>
+      </a:effectRef>
+      <a:fontRef idx="minor">
+        <a:schemeClr val="tx1"/>
+      </a:fontRef>
+    </dgm:style>
+  </dgm:styleLbl>
+  <dgm:styleLbl name="alignNode1">
+    <dgm:scene3d>
+      <a:camera prst="orthographicFront"/>
+      <a:lightRig rig="threePt" dir="t"/>
+    </dgm:scene3d>
+    <dgm:sp3d/>
+    <dgm:txPr/>
+    <dgm:style>
+      <a:lnRef idx="2">
+        <a:scrgbClr r="0" g="0" b="0"/>
+      </a:lnRef>
+      <a:fillRef idx="1">
+        <a:scrgbClr r="0" g="0" b="0"/>
+      </a:fillRef>
+      <a:effectRef idx="0">
+        <a:scrgbClr r="0" g="0" b="0"/>
+      </a:effectRef>
+      <a:fontRef idx="minor">
+        <a:schemeClr val="lt1"/>
+      </a:fontRef>
+    </dgm:style>
+  </dgm:styleLbl>
+  <dgm:styleLbl name="node1">
+    <dgm:scene3d>
+      <a:camera prst="orthographicFront"/>
+      <a:lightRig rig="threePt" dir="t"/>
+    </dgm:scene3d>
+    <dgm:sp3d/>
+    <dgm:txPr/>
+    <dgm:style>
+      <a:lnRef idx="2">
+        <a:scrgbClr r="0" g="0" b="0"/>
+      </a:lnRef>
+      <a:fillRef idx="1">
+        <a:scrgbClr r="0" g="0" b="0"/>
+      </a:fillRef>
+      <a:effectRef idx="0">
+        <a:scrgbClr r="0" g="0" b="0"/>
+      </a:effectRef>
+      <a:fontRef idx="minor">
+        <a:schemeClr val="lt1"/>
+      </a:fontRef>
+    </dgm:style>
+  </dgm:styleLbl>
+  <dgm:styleLbl name="node2">
+    <dgm:scene3d>
+      <a:camera prst="orthographicFront"/>
+      <a:lightRig rig="threePt" dir="t"/>
+    </dgm:scene3d>
+    <dgm:sp3d/>
+    <dgm:txPr/>
+    <dgm:style>
+      <a:lnRef idx="2">
+        <a:scrgbClr r="0" g="0" b="0"/>
+      </a:lnRef>
+      <a:fillRef idx="1">
+        <a:scrgbClr r="0" g="0" b="0"/>
+      </a:fillRef>
+      <a:effectRef idx="0">
+        <a:scrgbClr r="0" g="0" b="0"/>
+      </a:effectRef>
+      <a:fontRef idx="minor">
+        <a:schemeClr val="lt1"/>
+      </a:fontRef>
+    </dgm:style>
+  </dgm:styleLbl>
+  <dgm:styleLbl name="node3">
+    <dgm:scene3d>
+      <a:camera prst="orthographicFront"/>
+      <a:lightRig rig="threePt" dir="t"/>
+    </dgm:scene3d>
+    <dgm:sp3d/>
+    <dgm:txPr/>
+    <dgm:style>
+      <a:lnRef idx="2">
+        <a:scrgbClr r="0" g="0" b="0"/>
+      </a:lnRef>
+      <a:fillRef idx="1">
+        <a:scrgbClr r="0" g="0" b="0"/>
+      </a:fillRef>
+      <a:effectRef idx="0">
+        <a:scrgbClr r="0" g="0" b="0"/>
+      </a:effectRef>
+      <a:fontRef idx="minor">
+        <a:schemeClr val="lt1"/>
+      </a:fontRef>
+    </dgm:style>
+  </dgm:styleLbl>
+  <dgm:styleLbl name="node4">
+    <dgm:scene3d>
+      <a:camera prst="orthographicFront"/>
+      <a:lightRig rig="threePt" dir="t"/>
+    </dgm:scene3d>
+    <dgm:sp3d/>
+    <dgm:txPr/>
+    <dgm:style>
+      <a:lnRef idx="2">
+        <a:scrgbClr r="0" g="0" b="0"/>
+      </a:lnRef>
+      <a:fillRef idx="1">
+        <a:scrgbClr r="0" g="0" b="0"/>
+      </a:fillRef>
+      <a:effectRef idx="0">
+        <a:scrgbClr r="0" g="0" b="0"/>
+      </a:effectRef>
+      <a:fontRef idx="minor">
+        <a:schemeClr val="lt1"/>
+      </a:fontRef>
+    </dgm:style>
+  </dgm:styleLbl>
+  <dgm:styleLbl name="fgImgPlace1">
+    <dgm:scene3d>
+      <a:camera prst="orthographicFront"/>
+      <a:lightRig rig="threePt" dir="t"/>
+    </dgm:scene3d>
+    <dgm:sp3d/>
+    <dgm:txPr/>
+    <dgm:style>
+      <a:lnRef idx="2">
+        <a:scrgbClr r="0" g="0" b="0"/>
+      </a:lnRef>
+      <a:fillRef idx="1">
+        <a:scrgbClr r="0" g="0" b="0"/>
+      </a:fillRef>
+      <a:effectRef idx="0">
+        <a:scrgbClr r="0" g="0" b="0"/>
+      </a:effectRef>
+      <a:fontRef idx="minor"/>
+    </dgm:style>
+  </dgm:styleLbl>
+  <dgm:styleLbl name="alignImgPlace1">
+    <dgm:scene3d>
+      <a:camera prst="orthographicFront"/>
+      <a:lightRig rig="threePt" dir="t"/>
+    </dgm:scene3d>
+    <dgm:sp3d/>
+    <dgm:txPr/>
+    <dgm:style>
+      <a:lnRef idx="2">
+        <a:scrgbClr r="0" g="0" b="0"/>
+      </a:lnRef>
+      <a:fillRef idx="1">
+        <a:scrgbClr r="0" g="0" b="0"/>
+      </a:fillRef>
+      <a:effectRef idx="0">
+        <a:scrgbClr r="0" g="0" b="0"/>
+      </a:effectRef>
+      <a:fontRef idx="minor"/>
+    </dgm:style>
+  </dgm:styleLbl>
+  <dgm:styleLbl name="bgImgPlace1">
+    <dgm:scene3d>
+      <a:camera prst="orthographicFront"/>
+      <a:lightRig rig="threePt" dir="t"/>
+    </dgm:scene3d>
+    <dgm:sp3d/>
+    <dgm:txPr/>
+    <dgm:style>
+      <a:lnRef idx="2">
+        <a:scrgbClr r="0" g="0" b="0"/>
+      </a:lnRef>
+      <a:fillRef idx="1">
+        <a:scrgbClr r="0" g="0" b="0"/>
+      </a:fillRef>
+      <a:effectRef idx="0">
+        <a:scrgbClr r="0" g="0" b="0"/>
+      </a:effectRef>
+      <a:fontRef idx="minor"/>
+    </dgm:style>
+  </dgm:styleLbl>
+  <dgm:styleLbl name="sibTrans2D1">
+    <dgm:scene3d>
+      <a:camera prst="orthographicFront"/>
+      <a:lightRig rig="threePt" dir="t"/>
+    </dgm:scene3d>
+    <dgm:sp3d/>
+    <dgm:txPr/>
+    <dgm:style>
+      <a:lnRef idx="0">
+        <a:scrgbClr r="0" g="0" b="0"/>
+      </a:lnRef>
+      <a:fillRef idx="1">
+        <a:scrgbClr r="0" g="0" b="0"/>
+      </a:fillRef>
+      <a:effectRef idx="0">
+        <a:scrgbClr r="0" g="0" b="0"/>
+      </a:effectRef>
+      <a:fontRef idx="minor">
+        <a:schemeClr val="lt1"/>
+      </a:fontRef>
+    </dgm:style>
+  </dgm:styleLbl>
+  <dgm:styleLbl name="fgSibTrans2D1">
+    <dgm:scene3d>
+      <a:camera prst="orthographicFront"/>
+      <a:lightRig rig="threePt" dir="t"/>
+    </dgm:scene3d>
+    <dgm:sp3d/>
+    <dgm:txPr/>
+    <dgm:style>
+      <a:lnRef idx="0">
+        <a:scrgbClr r="0" g="0" b="0"/>
+      </a:lnRef>
+      <a:fillRef idx="1">
+        <a:scrgbClr r="0" g="0" b="0"/>
+      </a:fillRef>
+      <a:effectRef idx="0">
+        <a:scrgbClr r="0" g="0" b="0"/>
+      </a:effectRef>
+      <a:fontRef idx="minor">
+        <a:schemeClr val="lt1"/>
+      </a:fontRef>
+    </dgm:style>
+  </dgm:styleLbl>
+  <dgm:styleLbl name="bgSibTrans2D1">
+    <dgm:scene3d>
+      <a:camera prst="orthographicFront"/>
+      <a:lightRig rig="threePt" dir="t"/>
+    </dgm:scene3d>
+    <dgm:sp3d/>
+    <dgm:txPr/>
+    <dgm:style>
+      <a:lnRef idx="0">
+        <a:scrgbClr r="0" g="0" b="0"/>
+      </a:lnRef>
+      <a:fillRef idx="1">
+        <a:scrgbClr r="0" g="0" b="0"/>
+      </a:fillRef>
+      <a:effectRef idx="0">
+        <a:scrgbClr r="0" g="0" b="0"/>
+      </a:effectRef>
+      <a:fontRef idx="minor">
+        <a:schemeClr val="lt1"/>
+      </a:fontRef>
+    </dgm:style>
+  </dgm:styleLbl>
+  <dgm:styleLbl name="sibTrans1D1">
+    <dgm:scene3d>
+      <a:camera prst="orthographicFront"/>
+      <a:lightRig rig="threePt" dir="t"/>
+    </dgm:scene3d>
+    <dgm:sp3d/>
+    <dgm:txPr/>
+    <dgm:style>
+      <a:lnRef idx="1">
+        <a:scrgbClr r="0" g="0" b="0"/>
+      </a:lnRef>
+      <a:fillRef idx="0">
+        <a:scrgbClr r="0" g="0" b="0"/>
+      </a:fillRef>
+      <a:effectRef idx="0">
+        <a:scrgbClr r="0" g="0" b="0"/>
+      </a:effectRef>
+      <a:fontRef idx="minor"/>
+    </dgm:style>
+  </dgm:styleLbl>
+  <dgm:styleLbl name="callout">
+    <dgm:scene3d>
+      <a:camera prst="orthographicFront"/>
+      <a:lightRig rig="threePt" dir="t"/>
+    </dgm:scene3d>
+    <dgm:sp3d/>
+    <dgm:txPr/>
+    <dgm:style>
+      <a:lnRef idx="2">
+        <a:scrgbClr r="0" g="0" b="0"/>
+      </a:lnRef>
+      <a:fillRef idx="1">
+        <a:scrgbClr r="0" g="0" b="0"/>
+      </a:fillRef>
+      <a:effectRef idx="0">
+        <a:scrgbClr r="0" g="0" b="0"/>
+      </a:effectRef>
+      <a:fontRef idx="minor"/>
+    </dgm:style>
+  </dgm:styleLbl>
+  <dgm:styleLbl name="asst0">
+    <dgm:scene3d>
+      <a:camera prst="orthographicFront"/>
+      <a:lightRig rig="threePt" dir="t"/>
+    </dgm:scene3d>
+    <dgm:sp3d/>
+    <dgm:txPr/>
+    <dgm:style>
+      <a:lnRef idx="2">
+        <a:scrgbClr r="0" g="0" b="0"/>
+      </a:lnRef>
+      <a:fillRef idx="1">
+        <a:scrgbClr r="0" g="0" b="0"/>
+      </a:fillRef>
+      <a:effectRef idx="0">
+        <a:scrgbClr r="0" g="0" b="0"/>
+      </a:effectRef>
+      <a:fontRef idx="minor">
+        <a:schemeClr val="lt1"/>
+      </a:fontRef>
+    </dgm:style>
+  </dgm:styleLbl>
+  <dgm:styleLbl name="asst1">
+    <dgm:scene3d>
+      <a:camera prst="orthographicFront"/>
+      <a:lightRig rig="threePt" dir="t"/>
+    </dgm:scene3d>
+    <dgm:sp3d/>
+    <dgm:txPr/>
+    <dgm:style>
+      <a:lnRef idx="2">
+        <a:scrgbClr r="0" g="0" b="0"/>
+      </a:lnRef>
+      <a:fillRef idx="1">
+        <a:scrgbClr r="0" g="0" b="0"/>
+      </a:fillRef>
+      <a:effectRef idx="0">
+        <a:scrgbClr r="0" g="0" b="0"/>
+      </a:effectRef>
+      <a:fontRef idx="minor">
+        <a:schemeClr val="lt1"/>
+      </a:fontRef>
+    </dgm:style>
+  </dgm:styleLbl>
+  <dgm:styleLbl name="asst2">
+    <dgm:scene3d>
+      <a:camera prst="orthographicFront"/>
+      <a:lightRig rig="threePt" dir="t"/>
+    </dgm:scene3d>
+    <dgm:sp3d/>
+    <dgm:txPr/>
+    <dgm:style>
+      <a:lnRef idx="2">
+        <a:scrgbClr r="0" g="0" b="0"/>
+      </a:lnRef>
+      <a:fillRef idx="1">
+        <a:scrgbClr r="0" g="0" b="0"/>
+      </a:fillRef>
+      <a:effectRef idx="0">
+        <a:scrgbClr r="0" g="0" b="0"/>
+      </a:effectRef>
+      <a:fontRef idx="minor">
+        <a:schemeClr val="lt1"/>
+      </a:fontRef>
+    </dgm:style>
+  </dgm:styleLbl>
+  <dgm:styleLbl name="asst3">
+    <dgm:scene3d>
+      <a:camera prst="orthographicFront"/>
+      <a:lightRig rig="threePt" dir="t"/>
+    </dgm:scene3d>
+    <dgm:sp3d/>
+    <dgm:txPr/>
+    <dgm:style>
+      <a:lnRef idx="2">
+        <a:scrgbClr r="0" g="0" b="0"/>
+      </a:lnRef>
+      <a:fillRef idx="1">
+        <a:scrgbClr r="0" g="0" b="0"/>
+      </a:fillRef>
+      <a:effectRef idx="0">
+        <a:scrgbClr r="0" g="0" b="0"/>
+      </a:effectRef>
+      <a:fontRef idx="minor">
+        <a:schemeClr val="lt1"/>
+      </a:fontRef>
+    </dgm:style>
+  </dgm:styleLbl>
+  <dgm:styleLbl name="asst4">
+    <dgm:scene3d>
+      <a:camera prst="orthographicFront"/>
+      <a:lightRig rig="threePt" dir="t"/>
+    </dgm:scene3d>
+    <dgm:sp3d/>
+    <dgm:txPr/>
+    <dgm:style>
+      <a:lnRef idx="2">
+        <a:scrgbClr r="0" g="0" b="0"/>
+      </a:lnRef>
+      <a:fillRef idx="1">
+        <a:scrgbClr r="0" g="0" b="0"/>
+      </a:fillRef>
+      <a:effectRef idx="0">
+        <a:scrgbClr r="0" g="0" b="0"/>
+      </a:effectRef>
+      <a:fontRef idx="minor">
+        <a:schemeClr val="lt1"/>
+      </a:fontRef>
+    </dgm:style>
+  </dgm:styleLbl>
+  <dgm:styleLbl name="parChTrans2D1">
+    <dgm:scene3d>
+      <a:camera prst="orthographicFront"/>
+      <a:lightRig rig="threePt" dir="t"/>
+    </dgm:scene3d>
+    <dgm:sp3d/>
+    <dgm:txPr/>
+    <dgm:style>
+      <a:lnRef idx="2">
+        <a:scrgbClr r="0" g="0" b="0"/>
+      </a:lnRef>
+      <a:fillRef idx="1">
+        <a:scrgbClr r="0" g="0" b="0"/>
+      </a:fillRef>
+      <a:effectRef idx="0">
+        <a:scrgbClr r="0" g="0" b="0"/>
+      </a:effectRef>
+      <a:fontRef idx="minor">
+        <a:schemeClr val="lt1"/>
+      </a:fontRef>
+    </dgm:style>
+  </dgm:styleLbl>
+  <dgm:styleLbl name="parChTrans2D2">
+    <dgm:scene3d>
+      <a:camera prst="orthographicFront"/>
+      <a:lightRig rig="threePt" dir="t"/>
+    </dgm:scene3d>
+    <dgm:sp3d/>
+    <dgm:txPr/>
+    <dgm:style>
+      <a:lnRef idx="2">
+        <a:scrgbClr r="0" g="0" b="0"/>
+      </a:lnRef>
+      <a:fillRef idx="1">
+        <a:scrgbClr r="0" g="0" b="0"/>
+      </a:fillRef>
+      <a:effectRef idx="0">
+        <a:scrgbClr r="0" g="0" b="0"/>
+      </a:effectRef>
+      <a:fontRef idx="minor">
+        <a:schemeClr val="lt1"/>
+      </a:fontRef>
+    </dgm:style>
+  </dgm:styleLbl>
+  <dgm:styleLbl name="parChTrans2D3">
+    <dgm:scene3d>
+      <a:camera prst="orthographicFront"/>
+      <a:lightRig rig="threePt" dir="t"/>
+    </dgm:scene3d>
+    <dgm:sp3d/>
+    <dgm:txPr/>
+    <dgm:style>
+      <a:lnRef idx="2">
+        <a:scrgbClr r="0" g="0" b="0"/>
+      </a:lnRef>
+      <a:fillRef idx="1">
+        <a:scrgbClr r="0" g="0" b="0"/>
+      </a:fillRef>
+      <a:effectRef idx="0">
+        <a:scrgbClr r="0" g="0" b="0"/>
+      </a:effectRef>
+      <a:fontRef idx="minor">
+        <a:schemeClr val="lt1"/>
+      </a:fontRef>
+    </dgm:style>
+  </dgm:styleLbl>
+  <dgm:styleLbl name="parChTrans2D4">
+    <dgm:scene3d>
+      <a:camera prst="orthographicFront"/>
+      <a:lightRig rig="threePt" dir="t"/>
+    </dgm:scene3d>
+    <dgm:sp3d/>
+    <dgm:txPr/>
+    <dgm:style>
+      <a:lnRef idx="2">
+        <a:scrgbClr r="0" g="0" b="0"/>
+      </a:lnRef>
+      <a:fillRef idx="1">
+        <a:scrgbClr r="0" g="0" b="0"/>
+      </a:fillRef>
+      <a:effectRef idx="0">
+        <a:scrgbClr r="0" g="0" b="0"/>
+      </a:effectRef>
+      <a:fontRef idx="minor">
+        <a:schemeClr val="lt1"/>
+      </a:fontRef>
+    </dgm:style>
+  </dgm:styleLbl>
+  <dgm:styleLbl name="parChTrans1D1">
+    <dgm:scene3d>
+      <a:camera prst="orthographicFront"/>
+      <a:lightRig rig="threePt" dir="t"/>
+    </dgm:scene3d>
+    <dgm:sp3d/>
+    <dgm:txPr/>
+    <dgm:style>
+      <a:lnRef idx="2">
+        <a:scrgbClr r="0" g="0" b="0"/>
+      </a:lnRef>
+      <a:fillRef idx="0">
+        <a:scrgbClr r="0" g="0" b="0"/>
+      </a:fillRef>
+      <a:effectRef idx="0">
+        <a:scrgbClr r="0" g="0" b="0"/>
+      </a:effectRef>
+      <a:fontRef idx="minor"/>
+    </dgm:style>
+  </dgm:styleLbl>
+  <dgm:styleLbl name="parChTrans1D2">
+    <dgm:scene3d>
+      <a:camera prst="orthographicFront"/>
+      <a:lightRig rig="threePt" dir="t"/>
+    </dgm:scene3d>
+    <dgm:sp3d/>
+    <dgm:txPr/>
+    <dgm:style>
+      <a:lnRef idx="2">
+        <a:scrgbClr r="0" g="0" b="0"/>
+      </a:lnRef>
+      <a:fillRef idx="0">
+        <a:scrgbClr r="0" g="0" b="0"/>
+      </a:fillRef>
+      <a:effectRef idx="0">
+        <a:scrgbClr r="0" g="0" b="0"/>
+      </a:effectRef>
+      <a:fontRef idx="minor"/>
+    </dgm:style>
+  </dgm:styleLbl>
+  <dgm:styleLbl name="parChTrans1D3">
+    <dgm:scene3d>
+      <a:camera prst="orthographicFront"/>
+      <a:lightRig rig="threePt" dir="t"/>
+    </dgm:scene3d>
+    <dgm:sp3d/>
+    <dgm:txPr/>
+    <dgm:style>
+      <a:lnRef idx="2">
+        <a:scrgbClr r="0" g="0" b="0"/>
+      </a:lnRef>
+      <a:fillRef idx="0">
+        <a:scrgbClr r="0" g="0" b="0"/>
+      </a:fillRef>
+      <a:effectRef idx="0">
+        <a:scrgbClr r="0" g="0" b="0"/>
+      </a:effectRef>
+      <a:fontRef idx="minor"/>
+    </dgm:style>
+  </dgm:styleLbl>
+  <dgm:styleLbl name="parChTrans1D4">
+    <dgm:scene3d>
+      <a:camera prst="orthographicFront"/>
+      <a:lightRig rig="threePt" dir="t"/>
+    </dgm:scene3d>
+    <dgm:sp3d/>
+    <dgm:txPr/>
+    <dgm:style>
+      <a:lnRef idx="2">
+        <a:scrgbClr r="0" g="0" b="0"/>
+      </a:lnRef>
+      <a:fillRef idx="0">
+        <a:scrgbClr r="0" g="0" b="0"/>
+      </a:fillRef>
+      <a:effectRef idx="0">
+        <a:scrgbClr r="0" g="0" b="0"/>
+      </a:effectRef>
+      <a:fontRef idx="minor"/>
+    </dgm:style>
+  </dgm:styleLbl>
+  <dgm:styleLbl name="fgAcc1">
+    <dgm:scene3d>
+      <a:camera prst="orthographicFront"/>
+      <a:lightRig rig="threePt" dir="t"/>
+    </dgm:scene3d>
+    <dgm:sp3d/>
+    <dgm:txPr/>
+    <dgm:style>
+      <a:lnRef idx="2">
+        <a:scrgbClr r="0" g="0" b="0"/>
+      </a:lnRef>
+      <a:fillRef idx="1">
+        <a:scrgbClr r="0" g="0" b="0"/>
+      </a:fillRef>
+      <a:effectRef idx="0">
+        <a:scrgbClr r="0" g="0" b="0"/>
+      </a:effectRef>
+      <a:fontRef idx="minor"/>
+    </dgm:style>
+  </dgm:styleLbl>
+  <dgm:styleLbl name="conFgAcc1">
+    <dgm:scene3d>
+      <a:camera prst="orthographicFront"/>
+      <a:lightRig rig="threePt" dir="t"/>
+    </dgm:scene3d>
+    <dgm:sp3d/>
+    <dgm:txPr/>
+    <dgm:style>
+      <a:lnRef idx="2">
+        <a:scrgbClr r="0" g="0" b="0"/>
+      </a:lnRef>
+      <a:fillRef idx="1">
+        <a:scrgbClr r="0" g="0" b="0"/>
+      </a:fillRef>
+      <a:effectRef idx="0">
+        <a:scrgbClr r="0" g="0" b="0"/>
+      </a:effectRef>
+      <a:fontRef idx="minor"/>
+    </dgm:style>
+  </dgm:styleLbl>
+  <dgm:styleLbl name="alignAcc1">
+    <dgm:scene3d>
+      <a:camera prst="orthographicFront"/>
+      <a:lightRig rig="threePt" dir="t"/>
+    </dgm:scene3d>
+    <dgm:sp3d/>
+    <dgm:txPr/>
+    <dgm:style>
+      <a:lnRef idx="2">
+        <a:scrgbClr r="0" g="0" b="0"/>
+      </a:lnRef>
+      <a:fillRef idx="1">
+        <a:scrgbClr r="0" g="0" b="0"/>
+      </a:fillRef>
+      <a:effectRef idx="0">
+        <a:scrgbClr r="0" g="0" b="0"/>
+      </a:effectRef>
+      <a:fontRef idx="minor"/>
+    </dgm:style>
+  </dgm:styleLbl>
+  <dgm:styleLbl name="trAlignAcc1">
+    <dgm:scene3d>
+      <a:camera prst="orthographicFront"/>
+      <a:lightRig rig="threePt" dir="t"/>
+    </dgm:scene3d>
+    <dgm:sp3d/>
+    <dgm:txPr/>
+    <dgm:style>
+      <a:lnRef idx="1">
+        <a:scrgbClr r="0" g="0" b="0"/>
+      </a:lnRef>
+      <a:fillRef idx="1">
+        <a:scrgbClr r="0" g="0" b="0"/>
+      </a:fillRef>
+      <a:effectRef idx="0">
+        <a:scrgbClr r="0" g="0" b="0"/>
+      </a:effectRef>
+      <a:fontRef idx="minor"/>
+    </dgm:style>
+  </dgm:styleLbl>
+  <dgm:styleLbl name="bgAcc1">
+    <dgm:scene3d>
+      <a:camera prst="orthographicFront"/>
+      <a:lightRig rig="threePt" dir="t"/>
+    </dgm:scene3d>
+    <dgm:sp3d/>
+    <dgm:txPr/>
+    <dgm:style>
+      <a:lnRef idx="2">
+        <a:scrgbClr r="0" g="0" b="0"/>
+      </a:lnRef>
+      <a:fillRef idx="1">
+        <a:scrgbClr r="0" g="0" b="0"/>
+      </a:fillRef>
+      <a:effectRef idx="0">
+        <a:scrgbClr r="0" g="0" b="0"/>
+      </a:effectRef>
+      <a:fontRef idx="minor"/>
+    </dgm:style>
+  </dgm:styleLbl>
+  <dgm:styleLbl name="solidFgAcc1">
+    <dgm:scene3d>
+      <a:camera prst="orthographicFront"/>
+      <a:lightRig rig="threePt" dir="t"/>
+    </dgm:scene3d>
+    <dgm:sp3d/>
+    <dgm:txPr/>
+    <dgm:style>
+      <a:lnRef idx="2">
+        <a:scrgbClr r="0" g="0" b="0"/>
+      </a:lnRef>
+      <a:fillRef idx="1">
+        <a:scrgbClr r="0" g="0" b="0"/>
+      </a:fillRef>
+      <a:effectRef idx="0">
+        <a:scrgbClr r="0" g="0" b="0"/>
+      </a:effectRef>
+      <a:fontRef idx="minor"/>
+    </dgm:style>
+  </dgm:styleLbl>
+  <dgm:styleLbl name="solidAlignAcc1">
+    <dgm:scene3d>
+      <a:camera prst="orthographicFront"/>
+      <a:lightRig rig="threePt" dir="t"/>
+    </dgm:scene3d>
+    <dgm:sp3d/>
+    <dgm:txPr/>
+    <dgm:style>
+      <a:lnRef idx="2">
+        <a:scrgbClr r="0" g="0" b="0"/>
+      </a:lnRef>
+      <a:fillRef idx="1">
+        <a:scrgbClr r="0" g="0" b="0"/>
+      </a:fillRef>
+      <a:effectRef idx="0">
+        <a:scrgbClr r="0" g="0" b="0"/>
+      </a:effectRef>
+      <a:fontRef idx="minor"/>
+    </dgm:style>
+  </dgm:styleLbl>
+  <dgm:styleLbl name="solidBgAcc1">
+    <dgm:scene3d>
+      <a:camera prst="orthographicFront"/>
+      <a:lightRig rig="threePt" dir="t"/>
+    </dgm:scene3d>
+    <dgm:sp3d/>
+    <dgm:txPr/>
+    <dgm:style>
+      <a:lnRef idx="2">
+        <a:scrgbClr r="0" g="0" b="0"/>
+      </a:lnRef>
+      <a:fillRef idx="1">
+        <a:scrgbClr r="0" g="0" b="0"/>
+      </a:fillRef>
+      <a:effectRef idx="0">
+        <a:scrgbClr r="0" g="0" b="0"/>
+      </a:effectRef>
+      <a:fontRef idx="minor"/>
+    </dgm:style>
+  </dgm:styleLbl>
+  <dgm:styleLbl name="fgAccFollowNode1">
+    <dgm:scene3d>
+      <a:camera prst="orthographicFront"/>
+      <a:lightRig rig="threePt" dir="t"/>
+    </dgm:scene3d>
+    <dgm:sp3d/>
+    <dgm:txPr/>
+    <dgm:style>
+      <a:lnRef idx="2">
+        <a:scrgbClr r="0" g="0" b="0"/>
+      </a:lnRef>
+      <a:fillRef idx="1">
+        <a:scrgbClr r="0" g="0" b="0"/>
+      </a:fillRef>
+      <a:effectRef idx="0">
+        <a:scrgbClr r="0" g="0" b="0"/>
+      </a:effectRef>
+      <a:fontRef idx="minor"/>
+    </dgm:style>
+  </dgm:styleLbl>
+  <dgm:styleLbl name="alignAccFollowNode1">
+    <dgm:scene3d>
+      <a:camera prst="orthographicFront"/>
+      <a:lightRig rig="threePt" dir="t"/>
+    </dgm:scene3d>
+    <dgm:sp3d/>
+    <dgm:txPr/>
+    <dgm:style>
+      <a:lnRef idx="2">
+        <a:scrgbClr r="0" g="0" b="0"/>
+      </a:lnRef>
+      <a:fillRef idx="1">
+        <a:scrgbClr r="0" g="0" b="0"/>
+      </a:fillRef>
+      <a:effectRef idx="0">
+        <a:scrgbClr r="0" g="0" b="0"/>
+      </a:effectRef>
+      <a:fontRef idx="minor"/>
+    </dgm:style>
+  </dgm:styleLbl>
+  <dgm:styleLbl name="bgAccFollowNode1">
+    <dgm:scene3d>
+      <a:camera prst="orthographicFront"/>
+      <a:lightRig rig="threePt" dir="t"/>
+    </dgm:scene3d>
+    <dgm:sp3d/>
+    <dgm:txPr/>
+    <dgm:style>
+      <a:lnRef idx="2">
+        <a:scrgbClr r="0" g="0" b="0"/>
+      </a:lnRef>
+      <a:fillRef idx="1">
+        <a:scrgbClr r="0" g="0" b="0"/>
+      </a:fillRef>
+      <a:effectRef idx="0">
+        <a:scrgbClr r="0" g="0" b="0"/>
+      </a:effectRef>
+      <a:fontRef idx="minor"/>
+    </dgm:style>
+  </dgm:styleLbl>
+  <dgm:styleLbl name="fgAcc0">
+    <dgm:scene3d>
+      <a:camera prst="orthographicFront"/>
+      <a:lightRig rig="threePt" dir="t"/>
+    </dgm:scene3d>
+    <dgm:sp3d/>
+    <dgm:txPr/>
+    <dgm:style>
+      <a:lnRef idx="2">
+        <a:scrgbClr r="0" g="0" b="0"/>
+      </a:lnRef>
+      <a:fillRef idx="1">
+        <a:scrgbClr r="0" g="0" b="0"/>
+      </a:fillRef>
+      <a:effectRef idx="0">
+        <a:scrgbClr r="0" g="0" b="0"/>
+      </a:effectRef>
+      <a:fontRef idx="minor"/>
+    </dgm:style>
+  </dgm:styleLbl>
+  <dgm:styleLbl name="fgAcc2">
+    <dgm:scene3d>
+      <a:camera prst="orthographicFront"/>
+      <a:lightRig rig="threePt" dir="t"/>
+    </dgm:scene3d>
+    <dgm:sp3d/>
+    <dgm:txPr/>
+    <dgm:style>
+      <a:lnRef idx="2">
+        <a:scrgbClr r="0" g="0" b="0"/>
+      </a:lnRef>
+      <a:fillRef idx="1">
+        <a:scrgbClr r="0" g="0" b="0"/>
+      </a:fillRef>
+      <a:effectRef idx="0">
+        <a:scrgbClr r="0" g="0" b="0"/>
+      </a:effectRef>
+      <a:fontRef idx="minor"/>
+    </dgm:style>
+  </dgm:styleLbl>
+  <dgm:styleLbl name="fgAcc3">
+    <dgm:scene3d>
+      <a:camera prst="orthographicFront"/>
+      <a:lightRig rig="threePt" dir="t"/>
+    </dgm:scene3d>
+    <dgm:sp3d/>
+    <dgm:txPr/>
+    <dgm:style>
+      <a:lnRef idx="2">
+        <a:scrgbClr r="0" g="0" b="0"/>
+      </a:lnRef>
+      <a:fillRef idx="1">
+        <a:scrgbClr r="0" g="0" b="0"/>
+      </a:fillRef>
+      <a:effectRef idx="0">
+        <a:scrgbClr r="0" g="0" b="0"/>
+      </a:effectRef>
+      <a:fontRef idx="minor"/>
+    </dgm:style>
+  </dgm:styleLbl>
+  <dgm:styleLbl name="fgAcc4">
+    <dgm:scene3d>
+      <a:camera prst="orthographicFront"/>
+      <a:lightRig rig="threePt" dir="t"/>
+    </dgm:scene3d>
+    <dgm:sp3d/>
+    <dgm:txPr/>
+    <dgm:style>
+      <a:lnRef idx="2">
+        <a:scrgbClr r="0" g="0" b="0"/>
+      </a:lnRef>
+      <a:fillRef idx="1">
+        <a:scrgbClr r="0" g="0" b="0"/>
+      </a:fillRef>
+      <a:effectRef idx="0">
+        <a:scrgbClr r="0" g="0" b="0"/>
+      </a:effectRef>
+      <a:fontRef idx="minor"/>
+    </dgm:style>
+  </dgm:styleLbl>
+  <dgm:styleLbl name="bgShp">
+    <dgm:scene3d>
+      <a:camera prst="orthographicFront"/>
+      <a:lightRig rig="threePt" dir="t"/>
+    </dgm:scene3d>
+    <dgm:sp3d/>
+    <dgm:txPr/>
+    <dgm:style>
+      <a:lnRef idx="0">
+        <a:scrgbClr r="0" g="0" b="0"/>
+      </a:lnRef>
+      <a:fillRef idx="1">
+        <a:scrgbClr r="0" g="0" b="0"/>
+      </a:fillRef>
+      <a:effectRef idx="0">
+        <a:scrgbClr r="0" g="0" b="0"/>
+      </a:effectRef>
+      <a:fontRef idx="minor"/>
+    </dgm:style>
+  </dgm:styleLbl>
+  <dgm:styleLbl name="dkBgShp">
+    <dgm:scene3d>
+      <a:camera prst="orthographicFront"/>
+      <a:lightRig rig="threePt" dir="t"/>
+    </dgm:scene3d>
+    <dgm:sp3d/>
+    <dgm:txPr/>
+    <dgm:style>
+      <a:lnRef idx="0">
+        <a:scrgbClr r="0" g="0" b="0"/>
+      </a:lnRef>
+      <a:fillRef idx="1">
+        <a:scrgbClr r="0" g="0" b="0"/>
+      </a:fillRef>
+      <a:effectRef idx="0">
+        <a:scrgbClr r="0" g="0" b="0"/>
+      </a:effectRef>
+      <a:fontRef idx="minor"/>
+    </dgm:style>
+  </dgm:styleLbl>
+  <dgm:styleLbl name="trBgShp">
+    <dgm:scene3d>
+      <a:camera prst="orthographicFront"/>
+      <a:lightRig rig="threePt" dir="t"/>
+    </dgm:scene3d>
+    <dgm:sp3d/>
+    <dgm:txPr/>
+    <dgm:style>
+      <a:lnRef idx="0">
+        <a:scrgbClr r="0" g="0" b="0"/>
+      </a:lnRef>
+      <a:fillRef idx="1">
+        <a:scrgbClr r="0" g="0" b="0"/>
+      </a:fillRef>
+      <a:effectRef idx="0">
+        <a:scrgbClr r="0" g="0" b="0"/>
+      </a:effectRef>
+      <a:fontRef idx="minor"/>
+    </dgm:style>
+  </dgm:styleLbl>
+  <dgm:styleLbl name="fgShp">
+    <dgm:scene3d>
+      <a:camera prst="orthographicFront"/>
+      <a:lightRig rig="threePt" dir="t"/>
+    </dgm:scene3d>
+    <dgm:sp3d/>
+    <dgm:txPr/>
+    <dgm:style>
+      <a:lnRef idx="2">
+        <a:scrgbClr r="0" g="0" b="0"/>
+      </a:lnRef>
+      <a:fillRef idx="1">
+        <a:scrgbClr r="0" g="0" b="0"/>
+      </a:fillRef>
+      <a:effectRef idx="0">
+        <a:scrgbClr r="0" g="0" b="0"/>
+      </a:effectRef>
+      <a:fontRef idx="minor"/>
+    </dgm:style>
+  </dgm:styleLbl>
+  <dgm:styleLbl name="revTx">
+    <dgm:scene3d>
+      <a:camera prst="orthographicFront"/>
+      <a:lightRig rig="threePt" dir="t"/>
+    </dgm:scene3d>
+    <dgm:sp3d/>
+    <dgm:txPr/>
+    <dgm:style>
+      <a:lnRef idx="0">
+        <a:scrgbClr r="0" g="0" b="0"/>
+      </a:lnRef>
+      <a:fillRef idx="0">
+        <a:scrgbClr r="0" g="0" b="0"/>
+      </a:fillRef>
+      <a:effectRef idx="0">
+        <a:scrgbClr r="0" g="0" b="0"/>
+      </a:effectRef>
+      <a:fontRef idx="minor"/>
+    </dgm:style>
+  </dgm:styleLbl>
+</dgm:styleDef>
+</file>
+
+<file path=ppt/diagrams/quickStyle3.xml><?xml version="1.0" encoding="utf-8"?>
 <dgm:styleDef xmlns:dgm="http://schemas.openxmlformats.org/drawingml/2006/diagram" xmlns:a="http://schemas.openxmlformats.org/drawingml/2006/main" uniqueId="urn:microsoft.com/office/officeart/2005/8/quickstyle/simple1">
   <dgm:title val=""/>
   <dgm:desc val=""/>
@@ -6852,7 +9719,7 @@
           <a:p>
             <a:fld id="{0943DC29-738C-469B-AD54-16E446991871}" type="datetimeFigureOut">
               <a:rPr lang="da-DK" smtClean="0"/>
-              <a:t>27-08-2024</a:t>
+              <a:t>17-02-2025</a:t>
             </a:fld>
             <a:endParaRPr lang="da-DK"/>
           </a:p>
@@ -7052,7 +9919,7 @@
           <a:p>
             <a:fld id="{0943DC29-738C-469B-AD54-16E446991871}" type="datetimeFigureOut">
               <a:rPr lang="da-DK" smtClean="0"/>
-              <a:t>27-08-2024</a:t>
+              <a:t>17-02-2025</a:t>
             </a:fld>
             <a:endParaRPr lang="da-DK"/>
           </a:p>
@@ -7262,7 +10129,7 @@
           <a:p>
             <a:fld id="{0943DC29-738C-469B-AD54-16E446991871}" type="datetimeFigureOut">
               <a:rPr lang="da-DK" smtClean="0"/>
-              <a:t>27-08-2024</a:t>
+              <a:t>17-02-2025</a:t>
             </a:fld>
             <a:endParaRPr lang="da-DK"/>
           </a:p>
@@ -7462,7 +10329,7 @@
           <a:p>
             <a:fld id="{0943DC29-738C-469B-AD54-16E446991871}" type="datetimeFigureOut">
               <a:rPr lang="da-DK" smtClean="0"/>
-              <a:t>27-08-2024</a:t>
+              <a:t>17-02-2025</a:t>
             </a:fld>
             <a:endParaRPr lang="da-DK"/>
           </a:p>
@@ -7738,7 +10605,7 @@
           <a:p>
             <a:fld id="{0943DC29-738C-469B-AD54-16E446991871}" type="datetimeFigureOut">
               <a:rPr lang="da-DK" smtClean="0"/>
-              <a:t>27-08-2024</a:t>
+              <a:t>17-02-2025</a:t>
             </a:fld>
             <a:endParaRPr lang="da-DK"/>
           </a:p>
@@ -8006,7 +10873,7 @@
           <a:p>
             <a:fld id="{0943DC29-738C-469B-AD54-16E446991871}" type="datetimeFigureOut">
               <a:rPr lang="da-DK" smtClean="0"/>
-              <a:t>27-08-2024</a:t>
+              <a:t>17-02-2025</a:t>
             </a:fld>
             <a:endParaRPr lang="da-DK"/>
           </a:p>
@@ -8421,7 +11288,7 @@
           <a:p>
             <a:fld id="{0943DC29-738C-469B-AD54-16E446991871}" type="datetimeFigureOut">
               <a:rPr lang="da-DK" smtClean="0"/>
-              <a:t>27-08-2024</a:t>
+              <a:t>17-02-2025</a:t>
             </a:fld>
             <a:endParaRPr lang="da-DK"/>
           </a:p>
@@ -8563,7 +11430,7 @@
           <a:p>
             <a:fld id="{0943DC29-738C-469B-AD54-16E446991871}" type="datetimeFigureOut">
               <a:rPr lang="da-DK" smtClean="0"/>
-              <a:t>27-08-2024</a:t>
+              <a:t>17-02-2025</a:t>
             </a:fld>
             <a:endParaRPr lang="da-DK"/>
           </a:p>
@@ -8676,7 +11543,7 @@
           <a:p>
             <a:fld id="{0943DC29-738C-469B-AD54-16E446991871}" type="datetimeFigureOut">
               <a:rPr lang="da-DK" smtClean="0"/>
-              <a:t>27-08-2024</a:t>
+              <a:t>17-02-2025</a:t>
             </a:fld>
             <a:endParaRPr lang="da-DK"/>
           </a:p>
@@ -8989,7 +11856,7 @@
           <a:p>
             <a:fld id="{0943DC29-738C-469B-AD54-16E446991871}" type="datetimeFigureOut">
               <a:rPr lang="da-DK" smtClean="0"/>
-              <a:t>27-08-2024</a:t>
+              <a:t>17-02-2025</a:t>
             </a:fld>
             <a:endParaRPr lang="da-DK"/>
           </a:p>
@@ -9278,7 +12145,7 @@
           <a:p>
             <a:fld id="{0943DC29-738C-469B-AD54-16E446991871}" type="datetimeFigureOut">
               <a:rPr lang="da-DK" smtClean="0"/>
-              <a:t>27-08-2024</a:t>
+              <a:t>17-02-2025</a:t>
             </a:fld>
             <a:endParaRPr lang="da-DK"/>
           </a:p>
@@ -9521,7 +12388,7 @@
           <a:p>
             <a:fld id="{0943DC29-738C-469B-AD54-16E446991871}" type="datetimeFigureOut">
               <a:rPr lang="da-DK" smtClean="0"/>
-              <a:t>27-08-2024</a:t>
+              <a:t>17-02-2025</a:t>
             </a:fld>
             <a:endParaRPr lang="da-DK"/>
           </a:p>
@@ -10260,6 +13127,206 @@
 </file>
 
 <file path=ppt/slides/slide2.xml><?xml version="1.0" encoding="utf-8"?>
+<p:sld xmlns:a="http://schemas.openxmlformats.org/drawingml/2006/main" xmlns:r="http://schemas.openxmlformats.org/officeDocument/2006/relationships" xmlns:p="http://schemas.openxmlformats.org/presentationml/2006/main">
+  <p:cSld>
+    <p:spTree>
+      <p:nvGrpSpPr>
+        <p:cNvPr id="1" name="">
+          <a:extLst>
+            <a:ext uri="{FF2B5EF4-FFF2-40B4-BE49-F238E27FC236}">
+              <a16:creationId xmlns:a16="http://schemas.microsoft.com/office/drawing/2014/main" id="{D4C24D5F-1146-40C9-376B-808DC01D9B52}"/>
+            </a:ext>
+          </a:extLst>
+        </p:cNvPr>
+        <p:cNvGrpSpPr/>
+        <p:nvPr/>
+      </p:nvGrpSpPr>
+      <p:grpSpPr>
+        <a:xfrm>
+          <a:off x="0" y="0"/>
+          <a:ext cx="0" cy="0"/>
+          <a:chOff x="0" y="0"/>
+          <a:chExt cx="0" cy="0"/>
+        </a:xfrm>
+      </p:grpSpPr>
+      <p:graphicFrame>
+        <p:nvGraphicFramePr>
+          <p:cNvPr id="4" name="Diagram 3">
+            <a:extLst>
+              <a:ext uri="{FF2B5EF4-FFF2-40B4-BE49-F238E27FC236}">
+                <a16:creationId xmlns:a16="http://schemas.microsoft.com/office/drawing/2014/main" id="{57B6C05C-F391-B350-D487-F19F53A96ADF}"/>
+              </a:ext>
+            </a:extLst>
+          </p:cNvPr>
+          <p:cNvGraphicFramePr/>
+          <p:nvPr>
+            <p:extLst>
+              <p:ext uri="{D42A27DB-BD31-4B8C-83A1-F6EECF244321}">
+                <p14:modId xmlns:p14="http://schemas.microsoft.com/office/powerpoint/2010/main" val="1926884221"/>
+              </p:ext>
+            </p:extLst>
+          </p:nvPr>
+        </p:nvGraphicFramePr>
+        <p:xfrm>
+          <a:off x="2105478" y="931408"/>
+          <a:ext cx="8128000" cy="5418667"/>
+        </p:xfrm>
+        <a:graphic>
+          <a:graphicData uri="http://schemas.openxmlformats.org/drawingml/2006/diagram">
+            <dgm:relIds xmlns:dgm="http://schemas.openxmlformats.org/drawingml/2006/diagram" xmlns:r="http://schemas.openxmlformats.org/officeDocument/2006/relationships" r:dm="rId2" r:lo="rId3" r:qs="rId4" r:cs="rId5"/>
+          </a:graphicData>
+        </a:graphic>
+      </p:graphicFrame>
+      <p:sp>
+        <p:nvSpPr>
+          <p:cNvPr id="14" name="Arrow: Circular 13">
+            <a:extLst>
+              <a:ext uri="{FF2B5EF4-FFF2-40B4-BE49-F238E27FC236}">
+                <a16:creationId xmlns:a16="http://schemas.microsoft.com/office/drawing/2014/main" id="{CD578945-1E9C-3865-FABB-A8049FF73DBF}"/>
+              </a:ext>
+            </a:extLst>
+          </p:cNvPr>
+          <p:cNvSpPr/>
+          <p:nvPr/>
+        </p:nvSpPr>
+        <p:spPr>
+          <a:xfrm>
+            <a:off x="10285948" y="4948184"/>
+            <a:ext cx="978408" cy="978408"/>
+          </a:xfrm>
+          <a:prstGeom prst="circularArrow">
+            <a:avLst>
+              <a:gd name="adj1" fmla="val 8146"/>
+              <a:gd name="adj2" fmla="val 865302"/>
+              <a:gd name="adj3" fmla="val 7547912"/>
+              <a:gd name="adj4" fmla="val 10800000"/>
+              <a:gd name="adj5" fmla="val 12500"/>
+            </a:avLst>
+          </a:prstGeom>
+          <a:gradFill flip="none" rotWithShape="1">
+            <a:gsLst>
+              <a:gs pos="0">
+                <a:schemeClr val="dk1">
+                  <a:lumMod val="67000"/>
+                </a:schemeClr>
+              </a:gs>
+              <a:gs pos="48000">
+                <a:schemeClr val="dk1">
+                  <a:lumMod val="97000"/>
+                  <a:lumOff val="3000"/>
+                </a:schemeClr>
+              </a:gs>
+              <a:gs pos="100000">
+                <a:schemeClr val="dk1">
+                  <a:lumMod val="60000"/>
+                  <a:lumOff val="40000"/>
+                </a:schemeClr>
+              </a:gs>
+            </a:gsLst>
+            <a:lin ang="16200000" scaled="1"/>
+            <a:tileRect/>
+          </a:gradFill>
+          <a:ln>
+            <a:noFill/>
+          </a:ln>
+        </p:spPr>
+        <p:style>
+          <a:lnRef idx="0">
+            <a:scrgbClr r="0" g="0" b="0"/>
+          </a:lnRef>
+          <a:fillRef idx="0">
+            <a:scrgbClr r="0" g="0" b="0"/>
+          </a:fillRef>
+          <a:effectRef idx="0">
+            <a:scrgbClr r="0" g="0" b="0"/>
+          </a:effectRef>
+          <a:fontRef idx="minor">
+            <a:schemeClr val="lt1"/>
+          </a:fontRef>
+        </p:style>
+        <p:txBody>
+          <a:bodyPr rtlCol="0" anchor="ctr">
+            <a:scene3d>
+              <a:camera prst="orthographicFront"/>
+              <a:lightRig rig="soft" dir="t">
+                <a:rot lat="0" lon="0" rev="15600000"/>
+              </a:lightRig>
+            </a:scene3d>
+            <a:sp3d extrusionH="57150" prstMaterial="softEdge">
+              <a:bevelT w="25400" h="38100"/>
+            </a:sp3d>
+          </a:bodyPr>
+          <a:lstStyle/>
+          <a:p>
+            <a:pPr algn="ctr"/>
+            <a:r>
+              <a:rPr lang="da-DK" sz="2400" b="1" dirty="0">
+                <a:ln/>
+                <a:solidFill>
+                  <a:schemeClr val="tx1"/>
+                </a:solidFill>
+              </a:rPr>
+              <a:t>R</a:t>
+            </a:r>
+            <a:endParaRPr lang="da-DK" b="1" dirty="0">
+              <a:ln/>
+              <a:solidFill>
+                <a:schemeClr val="tx1"/>
+              </a:solidFill>
+            </a:endParaRPr>
+          </a:p>
+        </p:txBody>
+      </p:sp>
+      <p:sp>
+        <p:nvSpPr>
+          <p:cNvPr id="2" name="TextBox 1">
+            <a:extLst>
+              <a:ext uri="{FF2B5EF4-FFF2-40B4-BE49-F238E27FC236}">
+                <a16:creationId xmlns:a16="http://schemas.microsoft.com/office/drawing/2014/main" id="{A93E91DA-686F-8E22-A65B-C2A10C3ABE87}"/>
+              </a:ext>
+            </a:extLst>
+          </p:cNvPr>
+          <p:cNvSpPr txBox="1"/>
+          <p:nvPr/>
+        </p:nvSpPr>
+        <p:spPr>
+          <a:xfrm>
+            <a:off x="643072" y="4007782"/>
+            <a:ext cx="431528" cy="646331"/>
+          </a:xfrm>
+          <a:prstGeom prst="rect">
+            <a:avLst/>
+          </a:prstGeom>
+          <a:noFill/>
+        </p:spPr>
+        <p:txBody>
+          <a:bodyPr wrap="none" rtlCol="0">
+            <a:spAutoFit/>
+          </a:bodyPr>
+          <a:lstStyle/>
+          <a:p>
+            <a:r>
+              <a:rPr lang="da-DK" sz="3600" b="1" dirty="0"/>
+              <a:t>+</a:t>
+            </a:r>
+            <a:endParaRPr lang="en-US" sz="2400" b="1" dirty="0"/>
+          </a:p>
+        </p:txBody>
+      </p:sp>
+    </p:spTree>
+    <p:extLst>
+      <p:ext uri="{BB962C8B-B14F-4D97-AF65-F5344CB8AC3E}">
+        <p14:creationId xmlns:p14="http://schemas.microsoft.com/office/powerpoint/2010/main" val="763570964"/>
+      </p:ext>
+    </p:extLst>
+  </p:cSld>
+  <p:clrMapOvr>
+    <a:masterClrMapping/>
+  </p:clrMapOvr>
+</p:sld>
+</file>
+
+<file path=ppt/slides/slide3.xml><?xml version="1.0" encoding="utf-8"?>
 <p:sld xmlns:a="http://schemas.openxmlformats.org/drawingml/2006/main" xmlns:r="http://schemas.openxmlformats.org/officeDocument/2006/relationships" xmlns:p="http://schemas.openxmlformats.org/presentationml/2006/main">
   <p:cSld>
     <p:spTree>
@@ -11246,7 +14313,7 @@
 </p:sld>
 </file>
 
-<file path=ppt/slides/slide3.xml><?xml version="1.0" encoding="utf-8"?>
+<file path=ppt/slides/slide4.xml><?xml version="1.0" encoding="utf-8"?>
 <p:sld xmlns:a="http://schemas.openxmlformats.org/drawingml/2006/main" xmlns:r="http://schemas.openxmlformats.org/officeDocument/2006/relationships" xmlns:p="http://schemas.openxmlformats.org/presentationml/2006/main">
   <p:cSld>
     <p:spTree>
@@ -11540,7 +14607,7 @@
 </p:sld>
 </file>
 
-<file path=ppt/slides/slide4.xml><?xml version="1.0" encoding="utf-8"?>
+<file path=ppt/slides/slide5.xml><?xml version="1.0" encoding="utf-8"?>
 <p:sld xmlns:a="http://schemas.openxmlformats.org/drawingml/2006/main" xmlns:r="http://schemas.openxmlformats.org/officeDocument/2006/relationships" xmlns:p="http://schemas.openxmlformats.org/presentationml/2006/main">
   <p:cSld>
     <p:spTree>
@@ -11624,7 +14691,7 @@
 </p:sld>
 </file>
 
-<file path=ppt/slides/slide5.xml><?xml version="1.0" encoding="utf-8"?>
+<file path=ppt/slides/slide6.xml><?xml version="1.0" encoding="utf-8"?>
 <p:sld xmlns:a="http://schemas.openxmlformats.org/drawingml/2006/main" xmlns:r="http://schemas.openxmlformats.org/officeDocument/2006/relationships" xmlns:p="http://schemas.openxmlformats.org/presentationml/2006/main">
   <p:cSld>
     <p:spTree>
